--- a/lxd/monitored_environment/doc/Presentation.pptx
+++ b/lxd/monitored_environment/doc/Presentation.pptx
@@ -129,6 +129,7 @@
 <file path=ppt/revisionInfo.xml><?xml version="1.0" encoding="utf-8"?>
 <p1510:revInfo xmlns:a="http://schemas.openxmlformats.org/drawingml/2006/main" xmlns:r="http://schemas.openxmlformats.org/officeDocument/2006/relationships" xmlns:p1510="http://schemas.microsoft.com/office/powerpoint/2015/10/main">
   <p1510:revLst>
+    <p1510:client id="{314D5849-5460-0CFA-BDD5-079A0E82CDF8}" v="97" dt="2019-11-15T00:47:43.604"/>
     <p1510:client id="{404250AF-BDB1-4D48-AE8A-0E97BCFDCD25}" v="365" dt="2019-11-09T23:46:54.766"/>
     <p1510:client id="{B5262E9C-D04D-DE5B-EAAF-B62E85B63D38}" v="1474" dt="2019-11-14T03:48:04.732"/>
   </p1510:revLst>
@@ -217,7 +218,7 @@
           <a:p>
             <a:fld id="{8B07B536-7AB8-49B3-A7A8-6BFE5146A884}" type="datetimeFigureOut">
               <a:rPr lang="en-US"/>
-              <a:t>11/13/2019</a:t>
+              <a:t>11/14/2019</a:t>
             </a:fld>
             <a:endParaRPr lang="en-US"/>
           </a:p>
@@ -633,7 +634,7 @@
           <a:p>
             <a:fld id="{83A0416F-01A1-4FE7-950D-F948D1432F7C}" type="slidenum">
               <a:rPr lang="en-US" smtClean="0"/>
-              <a:t>10</a:t>
+              <a:t>9</a:t>
             </a:fld>
             <a:endParaRPr lang="en-US" dirty="0"/>
           </a:p>
@@ -783,7 +784,7 @@
           <a:p>
             <a:fld id="{846CE7D5-CF57-46EF-B807-FDD0502418D4}" type="datetimeFigureOut">
               <a:rPr lang="en-US" smtClean="0"/>
-              <a:t>11/13/2019</a:t>
+              <a:t>11/14/2019</a:t>
             </a:fld>
             <a:endParaRPr lang="en-US"/>
           </a:p>
@@ -953,7 +954,7 @@
           <a:p>
             <a:fld id="{846CE7D5-CF57-46EF-B807-FDD0502418D4}" type="datetimeFigureOut">
               <a:rPr lang="en-US" smtClean="0"/>
-              <a:t>11/13/2019</a:t>
+              <a:t>11/14/2019</a:t>
             </a:fld>
             <a:endParaRPr lang="en-US"/>
           </a:p>
@@ -1133,7 +1134,7 @@
           <a:p>
             <a:fld id="{846CE7D5-CF57-46EF-B807-FDD0502418D4}" type="datetimeFigureOut">
               <a:rPr lang="en-US" smtClean="0"/>
-              <a:t>11/13/2019</a:t>
+              <a:t>11/14/2019</a:t>
             </a:fld>
             <a:endParaRPr lang="en-US"/>
           </a:p>
@@ -1357,7 +1358,7 @@
           <a:p>
             <a:fld id="{9AB3A824-1A51-4B26-AD58-A6D8E14F6C04}" type="datetimeFigureOut">
               <a:rPr lang="en-US" smtClean="0"/>
-              <a:t>11/13/2019</a:t>
+              <a:t>11/14/2019</a:t>
             </a:fld>
             <a:endParaRPr lang="en-US" dirty="0"/>
           </a:p>
@@ -1531,7 +1532,7 @@
           <a:p>
             <a:fld id="{97D162C4-EDD9-4389-A98B-B87ECEA2A816}" type="datetimeFigureOut">
               <a:rPr lang="en-US" smtClean="0"/>
-              <a:t>11/13/2019</a:t>
+              <a:t>11/14/2019</a:t>
             </a:fld>
             <a:endParaRPr lang="en-US" dirty="0"/>
           </a:p>
@@ -1803,7 +1804,7 @@
           <a:p>
             <a:fld id="{3E5059C3-6A89-4494-99FF-5A4D6FFD50EB}" type="datetimeFigureOut">
               <a:rPr lang="en-US" smtClean="0"/>
-              <a:t>11/13/2019</a:t>
+              <a:t>11/14/2019</a:t>
             </a:fld>
             <a:endParaRPr lang="en-US" dirty="0"/>
           </a:p>
@@ -2039,7 +2040,7 @@
           <a:p>
             <a:fld id="{CA954B2F-12DE-47F5-8894-472B206D2E1E}" type="datetimeFigureOut">
               <a:rPr lang="en-US" smtClean="0"/>
-              <a:t>11/13/2019</a:t>
+              <a:t>11/14/2019</a:t>
             </a:fld>
             <a:endParaRPr lang="en-US" dirty="0"/>
           </a:p>
@@ -2402,7 +2403,7 @@
           <a:p>
             <a:fld id="{3CBC1C18-307B-4F68-A007-B5B542270E8D}" type="datetimeFigureOut">
               <a:rPr lang="en-US" smtClean="0"/>
-              <a:t>11/13/2019</a:t>
+              <a:t>11/14/2019</a:t>
             </a:fld>
             <a:endParaRPr lang="en-US" dirty="0"/>
           </a:p>
@@ -2549,7 +2550,7 @@
           <a:p>
             <a:fld id="{1FAF3416-4057-4DAA-829D-4CA07428D088}" type="datetimeFigureOut">
               <a:rPr lang="en-US" smtClean="0"/>
-              <a:t>11/13/2019</a:t>
+              <a:t>11/14/2019</a:t>
             </a:fld>
             <a:endParaRPr lang="en-US" dirty="0"/>
           </a:p>
@@ -2648,7 +2649,7 @@
           <a:p>
             <a:fld id="{921D9284-D300-4297-87F7-E791DCC15DB1}" type="datetimeFigureOut">
               <a:rPr lang="en-US" smtClean="0"/>
-              <a:t>11/13/2019</a:t>
+              <a:t>11/14/2019</a:t>
             </a:fld>
             <a:endParaRPr lang="en-US" dirty="0"/>
           </a:p>
@@ -3009,7 +3010,7 @@
           <a:p>
             <a:fld id="{37D525BB-DA17-4BA0-B3C8-3AC3ABC827E6}" type="datetimeFigureOut">
               <a:rPr lang="en-US" smtClean="0"/>
-              <a:t>11/13/2019</a:t>
+              <a:t>11/14/2019</a:t>
             </a:fld>
             <a:endParaRPr lang="en-US" dirty="0"/>
           </a:p>
@@ -3198,7 +3199,7 @@
           <a:p>
             <a:fld id="{846CE7D5-CF57-46EF-B807-FDD0502418D4}" type="datetimeFigureOut">
               <a:rPr lang="en-US" smtClean="0"/>
-              <a:t>11/13/2019</a:t>
+              <a:t>11/14/2019</a:t>
             </a:fld>
             <a:endParaRPr lang="en-US"/>
           </a:p>
@@ -3539,7 +3540,7 @@
           <a:p>
             <a:fld id="{B16C4C9A-3960-41CF-A4E9-2A8FB932454B}" type="datetimeFigureOut">
               <a:rPr lang="en-US" smtClean="0"/>
-              <a:t>11/13/2019</a:t>
+              <a:t>11/14/2019</a:t>
             </a:fld>
             <a:endParaRPr lang="en-US" dirty="0"/>
           </a:p>
@@ -3728,7 +3729,7 @@
           <a:p>
             <a:fld id="{D857E33E-8B18-4087-B112-809917729534}" type="datetimeFigureOut">
               <a:rPr lang="en-US" smtClean="0"/>
-              <a:t>11/13/2019</a:t>
+              <a:t>11/14/2019</a:t>
             </a:fld>
             <a:endParaRPr lang="en-US" dirty="0"/>
           </a:p>
@@ -3912,7 +3913,7 @@
           <a:p>
             <a:fld id="{D3FFE419-2371-464F-8239-3959401C3561}" type="datetimeFigureOut">
               <a:rPr lang="en-US" smtClean="0"/>
-              <a:t>11/13/2019</a:t>
+              <a:t>11/14/2019</a:t>
             </a:fld>
             <a:endParaRPr lang="en-US" dirty="0"/>
           </a:p>
@@ -4162,7 +4163,7 @@
           <a:p>
             <a:fld id="{846CE7D5-CF57-46EF-B807-FDD0502418D4}" type="datetimeFigureOut">
               <a:rPr lang="en-US" smtClean="0"/>
-              <a:t>11/13/2019</a:t>
+              <a:t>11/14/2019</a:t>
             </a:fld>
             <a:endParaRPr lang="en-US"/>
           </a:p>
@@ -4394,7 +4395,7 @@
           <a:p>
             <a:fld id="{846CE7D5-CF57-46EF-B807-FDD0502418D4}" type="datetimeFigureOut">
               <a:rPr lang="en-US" smtClean="0"/>
-              <a:t>11/13/2019</a:t>
+              <a:t>11/14/2019</a:t>
             </a:fld>
             <a:endParaRPr lang="en-US"/>
           </a:p>
@@ -4761,7 +4762,7 @@
           <a:p>
             <a:fld id="{846CE7D5-CF57-46EF-B807-FDD0502418D4}" type="datetimeFigureOut">
               <a:rPr lang="en-US" smtClean="0"/>
-              <a:t>11/13/2019</a:t>
+              <a:t>11/14/2019</a:t>
             </a:fld>
             <a:endParaRPr lang="en-US"/>
           </a:p>
@@ -4879,7 +4880,7 @@
           <a:p>
             <a:fld id="{846CE7D5-CF57-46EF-B807-FDD0502418D4}" type="datetimeFigureOut">
               <a:rPr lang="en-US" smtClean="0"/>
-              <a:t>11/13/2019</a:t>
+              <a:t>11/14/2019</a:t>
             </a:fld>
             <a:endParaRPr lang="en-US"/>
           </a:p>
@@ -4974,7 +4975,7 @@
           <a:p>
             <a:fld id="{846CE7D5-CF57-46EF-B807-FDD0502418D4}" type="datetimeFigureOut">
               <a:rPr lang="en-US" smtClean="0"/>
-              <a:t>11/13/2019</a:t>
+              <a:t>11/14/2019</a:t>
             </a:fld>
             <a:endParaRPr lang="en-US"/>
           </a:p>
@@ -5251,7 +5252,7 @@
           <a:p>
             <a:fld id="{846CE7D5-CF57-46EF-B807-FDD0502418D4}" type="datetimeFigureOut">
               <a:rPr lang="en-US" smtClean="0"/>
-              <a:t>11/13/2019</a:t>
+              <a:t>11/14/2019</a:t>
             </a:fld>
             <a:endParaRPr lang="en-US"/>
           </a:p>
@@ -5508,7 +5509,7 @@
           <a:p>
             <a:fld id="{846CE7D5-CF57-46EF-B807-FDD0502418D4}" type="datetimeFigureOut">
               <a:rPr lang="en-US" smtClean="0"/>
-              <a:t>11/13/2019</a:t>
+              <a:t>11/14/2019</a:t>
             </a:fld>
             <a:endParaRPr lang="en-US"/>
           </a:p>
@@ -5721,7 +5722,7 @@
           <a:p>
             <a:fld id="{846CE7D5-CF57-46EF-B807-FDD0502418D4}" type="datetimeFigureOut">
               <a:rPr lang="en-US" smtClean="0"/>
-              <a:t>11/13/2019</a:t>
+              <a:t>11/14/2019</a:t>
             </a:fld>
             <a:endParaRPr lang="en-US"/>
           </a:p>
@@ -6274,7 +6275,7 @@
           <a:p>
             <a:fld id="{3CBC1C18-307B-4F68-A007-B5B542270E8D}" type="datetimeFigureOut">
               <a:rPr lang="en-US" smtClean="0"/>
-              <a:t>11/13/2019</a:t>
+              <a:t>11/14/2019</a:t>
             </a:fld>
             <a:endParaRPr lang="en-US" dirty="0"/>
           </a:p>
@@ -6949,7 +6950,7 @@
                   <a:schemeClr val="tx1"/>
                 </a:solidFill>
               </a:rPr>
-              <a:t>Gustavo P o Celani</a:t>
+              <a:t>Gustavo Celani</a:t>
             </a:r>
           </a:p>
           <a:p>
@@ -6959,7 +6960,7 @@
                   <a:schemeClr val="tx1"/>
                 </a:solidFill>
               </a:rPr>
-              <a:t>Sandra</a:t>
+              <a:t>Sandra Carrillo</a:t>
             </a:r>
           </a:p>
         </p:txBody>
@@ -11162,13 +11163,13 @@
               <a:buChar char="•"/>
             </a:pPr>
             <a:r>
-              <a:rPr lang="en-US">
+              <a:rPr lang="en-US" dirty="0">
                 <a:ea typeface="+mn-lt"/>
                 <a:cs typeface="+mn-lt"/>
               </a:rPr>
-              <a:t>SSH Protol 2</a:t>
-            </a:r>
-            <a:endParaRPr lang="en-US">
+              <a:t>SSH Protocol 2</a:t>
+            </a:r>
+            <a:endParaRPr lang="en-US" dirty="0">
               <a:cs typeface="Calibri" panose="020F0502020204030204"/>
             </a:endParaRPr>
           </a:p>
@@ -11178,7 +11179,7 @@
               <a:buChar char="•"/>
             </a:pPr>
             <a:r>
-              <a:rPr lang="en-US">
+              <a:rPr lang="en-US" dirty="0">
                 <a:ea typeface="+mn-lt"/>
                 <a:cs typeface="+mn-lt"/>
               </a:rPr>
@@ -11196,7 +11197,7 @@
               <a:buChar char="•"/>
             </a:pPr>
             <a:r>
-              <a:rPr lang="en-US">
+              <a:rPr lang="en-US" dirty="0">
                 <a:ea typeface="+mn-lt"/>
                 <a:cs typeface="+mn-lt"/>
               </a:rPr>
@@ -11209,13 +11210,13 @@
               <a:buChar char="•"/>
             </a:pPr>
             <a:r>
-              <a:rPr lang="en-US">
+              <a:rPr lang="en-US" dirty="0">
                 <a:ea typeface="+mn-lt"/>
                 <a:cs typeface="+mn-lt"/>
               </a:rPr>
               <a:t>Client Alive Interval: 300</a:t>
             </a:r>
-            <a:endParaRPr lang="en-US"/>
+            <a:endParaRPr lang="en-US" dirty="0"/>
           </a:p>
           <a:p>
             <a:pPr marL="742950" lvl="1" indent="-285750">
@@ -11223,18 +11224,82 @@
               <a:buChar char="•"/>
             </a:pPr>
             <a:r>
-              <a:rPr lang="en-US">
+              <a:rPr lang="en-US" dirty="0">
                 <a:ea typeface="+mn-lt"/>
                 <a:cs typeface="+mn-lt"/>
               </a:rPr>
               <a:t>Client Alive Count Max: 3</a:t>
             </a:r>
+          </a:p>
+          <a:p>
             <a:endParaRPr lang="en-US" dirty="0">
               <a:ea typeface="+mn-lt"/>
               <a:cs typeface="+mn-lt"/>
             </a:endParaRPr>
           </a:p>
           <a:p>
+            <a:pPr marL="285750" indent="-285750">
+              <a:buFont typeface="Arial"/>
+              <a:buChar char="•"/>
+            </a:pPr>
+            <a:r>
+              <a:rPr lang="en-US" dirty="0">
+                <a:ea typeface="+mn-lt"/>
+                <a:cs typeface="+mn-lt"/>
+              </a:rPr>
+              <a:t>Avoiding default port (22 -&gt; 4578)</a:t>
+            </a:r>
+            <a:endParaRPr lang="en-US" dirty="0">
+              <a:cs typeface="Calibri" panose="020F0502020204030204"/>
+            </a:endParaRPr>
+          </a:p>
+          <a:p>
+            <a:pPr marL="285750" indent="-285750">
+              <a:buFont typeface="Arial"/>
+              <a:buChar char="•"/>
+            </a:pPr>
+            <a:r>
+              <a:rPr lang="en-US" dirty="0">
+                <a:ea typeface="+mn-lt"/>
+                <a:cs typeface="+mn-lt"/>
+              </a:rPr>
+              <a:t>Disabling X11 forwarding</a:t>
+            </a:r>
+            <a:endParaRPr lang="en-US" dirty="0">
+              <a:cs typeface="Calibri" panose="020F0502020204030204"/>
+            </a:endParaRPr>
+          </a:p>
+          <a:p>
+            <a:pPr marL="285750" indent="-285750">
+              <a:buFont typeface="Arial"/>
+              <a:buChar char="•"/>
+            </a:pPr>
+            <a:r>
+              <a:rPr lang="en-US" dirty="0">
+                <a:ea typeface="+mn-lt"/>
+                <a:cs typeface="+mn-lt"/>
+              </a:rPr>
+              <a:t>Only '</a:t>
+            </a:r>
+            <a:r>
+              <a:rPr lang="en-US" dirty="0" err="1">
+                <a:ea typeface="+mn-lt"/>
+                <a:cs typeface="+mn-lt"/>
+              </a:rPr>
+              <a:t>ssh_user</a:t>
+            </a:r>
+            <a:r>
+              <a:rPr lang="en-US" dirty="0">
+                <a:ea typeface="+mn-lt"/>
+                <a:cs typeface="+mn-lt"/>
+              </a:rPr>
+              <a:t>' allowed</a:t>
+            </a:r>
+            <a:endParaRPr lang="en-US" dirty="0">
+              <a:cs typeface="Calibri" panose="020F0502020204030204"/>
+            </a:endParaRPr>
+          </a:p>
+          <a:p>
             <a:endParaRPr lang="en-US" dirty="0">
               <a:ea typeface="+mn-lt"/>
               <a:cs typeface="+mn-lt"/>
@@ -11246,14 +11311,59 @@
               <a:buChar char="•"/>
             </a:pPr>
             <a:r>
-              <a:rPr lang="en-US">
+              <a:rPr lang="en-US" dirty="0">
                 <a:ea typeface="+mn-lt"/>
                 <a:cs typeface="+mn-lt"/>
               </a:rPr>
-              <a:t>Avoiding default port (22 -&gt; 4578)</a:t>
-            </a:r>
-            <a:endParaRPr lang="en-US">
+              <a:t>3-Factor Authentication</a:t>
+            </a:r>
+            <a:endParaRPr lang="en-US" dirty="0">
               <a:cs typeface="Calibri" panose="020F0502020204030204"/>
+            </a:endParaRPr>
+          </a:p>
+          <a:p>
+            <a:pPr marL="742950" lvl="1" indent="-285750">
+              <a:buFont typeface="Arial"/>
+              <a:buChar char="•"/>
+            </a:pPr>
+            <a:r>
+              <a:rPr lang="en-US" dirty="0">
+                <a:ea typeface="+mn-lt"/>
+                <a:cs typeface="+mn-lt"/>
+              </a:rPr>
+              <a:t>Password</a:t>
+            </a:r>
+          </a:p>
+          <a:p>
+            <a:pPr marL="742950" lvl="1" indent="-285750">
+              <a:buFont typeface="Arial"/>
+              <a:buChar char="•"/>
+            </a:pPr>
+            <a:r>
+              <a:rPr lang="en-US" dirty="0">
+                <a:ea typeface="+mn-lt"/>
+                <a:cs typeface="+mn-lt"/>
+              </a:rPr>
+              <a:t>RSA Key</a:t>
+            </a:r>
+          </a:p>
+          <a:p>
+            <a:pPr marL="742950" lvl="1" indent="-285750">
+              <a:buFont typeface="Arial"/>
+              <a:buChar char="•"/>
+            </a:pPr>
+            <a:r>
+              <a:rPr lang="en-US" dirty="0">
+                <a:ea typeface="+mn-lt"/>
+                <a:cs typeface="+mn-lt"/>
+              </a:rPr>
+              <a:t>Challenge PAM with Google-Authenticator</a:t>
+            </a:r>
+          </a:p>
+          <a:p>
+            <a:endParaRPr lang="en-US" dirty="0">
+              <a:ea typeface="+mn-lt"/>
+              <a:cs typeface="+mn-lt"/>
             </a:endParaRPr>
           </a:p>
           <a:p>
@@ -11262,14 +11372,70 @@
               <a:buChar char="•"/>
             </a:pPr>
             <a:r>
-              <a:rPr lang="en-US">
+              <a:rPr lang="en-US" dirty="0">
                 <a:ea typeface="+mn-lt"/>
                 <a:cs typeface="+mn-lt"/>
               </a:rPr>
-              <a:t>Disabling X11 forwarding</a:t>
-            </a:r>
-            <a:endParaRPr lang="en-US">
+              <a:t>Fail2ban</a:t>
+            </a:r>
+            <a:endParaRPr lang="en-US" dirty="0">
               <a:cs typeface="Calibri" panose="020F0502020204030204"/>
+            </a:endParaRPr>
+          </a:p>
+          <a:p>
+            <a:pPr marL="742950" lvl="1" indent="-285750">
+              <a:buFont typeface="Arial"/>
+              <a:buChar char="•"/>
+            </a:pPr>
+            <a:r>
+              <a:rPr lang="en-US" dirty="0">
+                <a:ea typeface="+mn-lt"/>
+                <a:cs typeface="+mn-lt"/>
+              </a:rPr>
+              <a:t>Selected ban time: 10s (demonstration)</a:t>
+            </a:r>
+          </a:p>
+          <a:p>
+            <a:pPr marL="742950" lvl="1" indent="-285750">
+              <a:buFont typeface="Arial"/>
+              <a:buChar char="•"/>
+            </a:pPr>
+            <a:r>
+              <a:rPr lang="en-US" dirty="0">
+                <a:ea typeface="+mn-lt"/>
+                <a:cs typeface="+mn-lt"/>
+              </a:rPr>
+              <a:t>3 Max retries</a:t>
+            </a:r>
+          </a:p>
+          <a:p>
+            <a:pPr marL="742950" lvl="1" indent="-285750">
+              <a:buFont typeface="Arial"/>
+              <a:buChar char="•"/>
+            </a:pPr>
+            <a:r>
+              <a:rPr lang="en-US" dirty="0">
+                <a:ea typeface="+mn-lt"/>
+                <a:cs typeface="+mn-lt"/>
+              </a:rPr>
+              <a:t>Alias to watch logs: $ </a:t>
+            </a:r>
+            <a:r>
+              <a:rPr lang="en-US" i="1" dirty="0">
+                <a:ea typeface="+mn-lt"/>
+                <a:cs typeface="+mn-lt"/>
+              </a:rPr>
+              <a:t>log-fail2ban</a:t>
+            </a:r>
+            <a:endParaRPr lang="en-US" dirty="0">
+              <a:ea typeface="+mn-lt"/>
+              <a:cs typeface="+mn-lt"/>
+            </a:endParaRPr>
+          </a:p>
+          <a:p>
+            <a:endParaRPr lang="en-US" dirty="0">
+              <a:ea typeface="+mn-lt"/>
+              <a:cs typeface="+mn-lt"/>
             </a:endParaRPr>
           </a:p>
           <a:p>
@@ -11278,189 +11444,14 @@
               <a:buChar char="•"/>
             </a:pPr>
             <a:r>
-              <a:rPr lang="en-US">
-                <a:ea typeface="+mn-lt"/>
-                <a:cs typeface="+mn-lt"/>
-              </a:rPr>
-              <a:t>Only 'ssh_user' allowed</a:t>
-            </a:r>
-            <a:endParaRPr lang="en-US">
-              <a:cs typeface="Calibri" panose="020F0502020204030204"/>
-            </a:endParaRPr>
-          </a:p>
-          <a:p>
-            <a:endParaRPr lang="en-US" dirty="0">
-              <a:ea typeface="+mn-lt"/>
-              <a:cs typeface="+mn-lt"/>
-            </a:endParaRPr>
-          </a:p>
-          <a:p>
-            <a:pPr marL="285750" indent="-285750">
-              <a:buFont typeface="Arial"/>
-              <a:buChar char="•"/>
-            </a:pPr>
-            <a:r>
-              <a:rPr lang="en-US">
-                <a:ea typeface="+mn-lt"/>
-                <a:cs typeface="+mn-lt"/>
-              </a:rPr>
-              <a:t>3-Factor Authentication</a:t>
-            </a:r>
-            <a:endParaRPr lang="en-US">
-              <a:cs typeface="Calibri" panose="020F0502020204030204"/>
-            </a:endParaRPr>
-          </a:p>
-          <a:p>
-            <a:pPr marL="742950" lvl="1" indent="-285750">
-              <a:buFont typeface="Arial"/>
-              <a:buChar char="•"/>
-            </a:pPr>
-            <a:r>
-              <a:rPr lang="en-US">
-                <a:ea typeface="+mn-lt"/>
-                <a:cs typeface="+mn-lt"/>
-              </a:rPr>
-              <a:t>Password</a:t>
-            </a:r>
-            <a:endParaRPr lang="en-US" dirty="0">
-              <a:ea typeface="+mn-lt"/>
-              <a:cs typeface="+mn-lt"/>
-            </a:endParaRPr>
-          </a:p>
-          <a:p>
-            <a:pPr marL="742950" lvl="1" indent="-285750">
-              <a:buFont typeface="Arial"/>
-              <a:buChar char="•"/>
-            </a:pPr>
-            <a:r>
-              <a:rPr lang="en-US">
-                <a:ea typeface="+mn-lt"/>
-                <a:cs typeface="+mn-lt"/>
-              </a:rPr>
-              <a:t>RSA Key</a:t>
-            </a:r>
-            <a:endParaRPr lang="en-US" dirty="0">
-              <a:ea typeface="+mn-lt"/>
-              <a:cs typeface="+mn-lt"/>
-            </a:endParaRPr>
-          </a:p>
-          <a:p>
-            <a:pPr marL="742950" lvl="1" indent="-285750">
-              <a:buFont typeface="Arial"/>
-              <a:buChar char="•"/>
-            </a:pPr>
-            <a:r>
-              <a:rPr lang="en-US">
-                <a:ea typeface="+mn-lt"/>
-                <a:cs typeface="+mn-lt"/>
-              </a:rPr>
-              <a:t>Challenge PAM with Google-Authenticator</a:t>
-            </a:r>
-            <a:endParaRPr lang="en-US" dirty="0">
-              <a:ea typeface="+mn-lt"/>
-              <a:cs typeface="+mn-lt"/>
-            </a:endParaRPr>
-          </a:p>
-          <a:p>
-            <a:endParaRPr lang="en-US" dirty="0">
-              <a:ea typeface="+mn-lt"/>
-              <a:cs typeface="+mn-lt"/>
-            </a:endParaRPr>
-          </a:p>
-          <a:p>
-            <a:pPr marL="285750" indent="-285750">
-              <a:buFont typeface="Arial"/>
-              <a:buChar char="•"/>
-            </a:pPr>
-            <a:r>
-              <a:rPr lang="en-US">
-                <a:ea typeface="+mn-lt"/>
-                <a:cs typeface="+mn-lt"/>
-              </a:rPr>
-              <a:t>Fail2ban</a:t>
-            </a:r>
-            <a:endParaRPr lang="en-US">
-              <a:cs typeface="Calibri" panose="020F0502020204030204"/>
-            </a:endParaRPr>
-          </a:p>
-          <a:p>
-            <a:pPr marL="742950" lvl="1" indent="-285750">
-              <a:buFont typeface="Arial"/>
-              <a:buChar char="•"/>
-            </a:pPr>
-            <a:r>
-              <a:rPr lang="en-US">
-                <a:ea typeface="+mn-lt"/>
-                <a:cs typeface="+mn-lt"/>
-              </a:rPr>
-              <a:t>Selected ban time: 10s (demonstration)</a:t>
-            </a:r>
-            <a:endParaRPr lang="en-US" dirty="0">
-              <a:ea typeface="+mn-lt"/>
-              <a:cs typeface="+mn-lt"/>
-            </a:endParaRPr>
-          </a:p>
-          <a:p>
-            <a:pPr marL="742950" lvl="1" indent="-285750">
-              <a:buFont typeface="Arial"/>
-              <a:buChar char="•"/>
-            </a:pPr>
-            <a:r>
-              <a:rPr lang="en-US">
-                <a:ea typeface="+mn-lt"/>
-                <a:cs typeface="+mn-lt"/>
-              </a:rPr>
-              <a:t>3 Max retries</a:t>
-            </a:r>
-            <a:endParaRPr lang="en-US" dirty="0">
-              <a:ea typeface="+mn-lt"/>
-              <a:cs typeface="+mn-lt"/>
-            </a:endParaRPr>
-          </a:p>
-          <a:p>
-            <a:pPr marL="742950" lvl="1" indent="-285750">
-              <a:buFont typeface="Arial"/>
-              <a:buChar char="•"/>
-            </a:pPr>
-            <a:r>
-              <a:rPr lang="en-US">
-                <a:ea typeface="+mn-lt"/>
-                <a:cs typeface="+mn-lt"/>
-              </a:rPr>
-              <a:t>Alias to watch logs: $ </a:t>
-            </a:r>
-            <a:r>
-              <a:rPr lang="en-US" i="1">
-                <a:ea typeface="+mn-lt"/>
-                <a:cs typeface="+mn-lt"/>
-              </a:rPr>
-              <a:t>log-fail2ban</a:t>
-            </a:r>
-            <a:endParaRPr lang="en-US" dirty="0">
-              <a:ea typeface="+mn-lt"/>
-              <a:cs typeface="+mn-lt"/>
-            </a:endParaRPr>
-          </a:p>
-          <a:p>
-            <a:endParaRPr lang="en-US" dirty="0">
-              <a:ea typeface="+mn-lt"/>
-              <a:cs typeface="+mn-lt"/>
-            </a:endParaRPr>
-          </a:p>
-          <a:p>
-            <a:pPr marL="285750" indent="-285750">
-              <a:buFont typeface="Arial"/>
-              <a:buChar char="•"/>
-            </a:pPr>
-            <a:r>
-              <a:rPr lang="en-US">
+              <a:rPr lang="en-US" dirty="0">
                 <a:ea typeface="+mn-lt"/>
                 <a:cs typeface="+mn-lt"/>
               </a:rPr>
               <a:t>Firewall rules</a:t>
             </a:r>
-            <a:endParaRPr lang="en-US">
-              <a:cs typeface="Calibri" panose="020F0502020204030204"/>
+            <a:endParaRPr lang="en-US" dirty="0">
+              <a:cs typeface="Calibri"/>
             </a:endParaRPr>
           </a:p>
           <a:p>
@@ -12856,7 +12847,7 @@
         </p:blipFill>
         <p:spPr>
           <a:xfrm>
-            <a:off x="4790514" y="2589957"/>
+            <a:off x="4835337" y="3916733"/>
             <a:ext cx="6062382" cy="1687046"/>
           </a:xfrm>
           <a:prstGeom prst="rect">
@@ -12864,6 +12855,107 @@
           </a:prstGeom>
         </p:spPr>
       </p:pic>
+      <p:sp>
+        <p:nvSpPr>
+          <p:cNvPr id="4" name="TextBox 3">
+            <a:extLst>
+              <a:ext uri="{FF2B5EF4-FFF2-40B4-BE49-F238E27FC236}">
+                <a16:creationId xmlns:a16="http://schemas.microsoft.com/office/drawing/2014/main" id="{3812B637-7F23-4C86-A01F-A18D8ECFDC7B}"/>
+              </a:ext>
+            </a:extLst>
+          </p:cNvPr>
+          <p:cNvSpPr txBox="1"/>
+          <p:nvPr/>
+        </p:nvSpPr>
+        <p:spPr>
+          <a:xfrm>
+            <a:off x="4195482" y="905435"/>
+            <a:ext cx="7431740" cy="1754326"/>
+          </a:xfrm>
+          <a:prstGeom prst="rect">
+            <a:avLst/>
+          </a:prstGeom>
+          <a:noFill/>
+        </p:spPr>
+        <p:txBody>
+          <a:bodyPr rot="0" spcFirstLastPara="0" vertOverflow="overflow" horzOverflow="overflow" vert="horz" wrap="square" lIns="91440" tIns="45720" rIns="91440" bIns="45720" numCol="1" spcCol="0" rtlCol="0" fromWordArt="0" anchor="t" anchorCtr="0" forceAA="0" compatLnSpc="1">
+            <a:prstTxWarp prst="textNoShape">
+              <a:avLst/>
+            </a:prstTxWarp>
+            <a:spAutoFit/>
+          </a:bodyPr>
+          <a:lstStyle/>
+          <a:p>
+            <a:pPr marL="285750" indent="-285750">
+              <a:buFont typeface="Arial"/>
+              <a:buChar char="•"/>
+            </a:pPr>
+            <a:r>
+              <a:rPr lang="en-US">
+                <a:ea typeface="+mn-lt"/>
+                <a:cs typeface="+mn-lt"/>
+              </a:rPr>
+              <a:t>Avoiding default passwords (Admin/zabbix)</a:t>
+            </a:r>
+            <a:endParaRPr lang="en-US">
+              <a:cs typeface="Calibri" panose="020F0502020204030204"/>
+            </a:endParaRPr>
+          </a:p>
+          <a:p>
+            <a:pPr marL="285750" indent="-285750">
+              <a:buFont typeface="Arial"/>
+              <a:buChar char="•"/>
+            </a:pPr>
+            <a:endParaRPr lang="en-US" dirty="0">
+              <a:ea typeface="+mn-lt"/>
+              <a:cs typeface="+mn-lt"/>
+            </a:endParaRPr>
+          </a:p>
+          <a:p>
+            <a:pPr marL="285750" indent="-285750">
+              <a:buFont typeface="Arial"/>
+              <a:buChar char="•"/>
+            </a:pPr>
+            <a:r>
+              <a:rPr lang="en-US">
+                <a:ea typeface="+mn-lt"/>
+                <a:cs typeface="+mn-lt"/>
+              </a:rPr>
+              <a:t>Removing guest users</a:t>
+            </a:r>
+          </a:p>
+          <a:p>
+            <a:pPr marL="285750" indent="-285750">
+              <a:buFont typeface="Arial"/>
+              <a:buChar char="•"/>
+            </a:pPr>
+            <a:endParaRPr lang="en-US" dirty="0">
+              <a:cs typeface="Calibri" panose="020F0502020204030204"/>
+            </a:endParaRPr>
+          </a:p>
+          <a:p>
+            <a:pPr marL="285750" indent="-285750">
+              <a:buFont typeface="Arial"/>
+              <a:buChar char="•"/>
+            </a:pPr>
+            <a:r>
+              <a:rPr lang="en-US">
+                <a:ea typeface="+mn-lt"/>
+                <a:cs typeface="+mn-lt"/>
+              </a:rPr>
+              <a:t>Firewall rules</a:t>
+            </a:r>
+            <a:endParaRPr lang="en-US">
+              <a:cs typeface="Calibri" panose="020F0502020204030204"/>
+            </a:endParaRPr>
+          </a:p>
+          <a:p>
+            <a:endParaRPr lang="en-US" dirty="0">
+              <a:cs typeface="Calibri" panose="020F0502020204030204"/>
+            </a:endParaRPr>
+          </a:p>
+        </p:txBody>
+      </p:sp>
     </p:spTree>
     <p:extLst>
       <p:ext uri="{BB962C8B-B14F-4D97-AF65-F5344CB8AC3E}">

--- a/lxd/monitored_environment/doc/Presentation.pptx
+++ b/lxd/monitored_environment/doc/Presentation.pptx
@@ -6,7 +6,7 @@
     <p:sldMasterId id="2147483828" r:id="rId2"/>
   </p:sldMasterIdLst>
   <p:notesMasterIdLst>
-    <p:notesMasterId r:id="rId14"/>
+    <p:notesMasterId r:id="rId12"/>
   </p:notesMasterIdLst>
   <p:sldIdLst>
     <p:sldId id="259" r:id="rId3"/>
@@ -18,8 +18,6 @@
     <p:sldId id="274" r:id="rId9"/>
     <p:sldId id="268" r:id="rId10"/>
     <p:sldId id="260" r:id="rId11"/>
-    <p:sldId id="256" r:id="rId12"/>
-    <p:sldId id="257" r:id="rId13"/>
   </p:sldIdLst>
   <p:sldSz cx="12192000" cy="6858000"/>
   <p:notesSz cx="6858000" cy="9144000"/>
@@ -132,6 +130,7 @@
     <p1510:client id="{314D5849-5460-0CFA-BDD5-079A0E82CDF8}" v="97" dt="2019-11-15T00:47:43.604"/>
     <p1510:client id="{404250AF-BDB1-4D48-AE8A-0E97BCFDCD25}" v="365" dt="2019-11-09T23:46:54.766"/>
     <p1510:client id="{B5262E9C-D04D-DE5B-EAAF-B62E85B63D38}" v="1474" dt="2019-11-14T03:48:04.732"/>
+    <p1510:client id="{CB8C5A61-6BD7-FFAB-DE68-4D9EC381C3DD}" v="5" dt="2019-11-22T00:46:31.932"/>
   </p1510:revLst>
 </p1510:revInfo>
 </file>
@@ -218,7 +217,7 @@
           <a:p>
             <a:fld id="{8B07B536-7AB8-49B3-A7A8-6BFE5146A884}" type="datetimeFigureOut">
               <a:rPr lang="en-US"/>
-              <a:t>11/14/2019</a:t>
+              <a:t>11/21/2019</a:t>
             </a:fld>
             <a:endParaRPr lang="en-US"/>
           </a:p>
@@ -784,7 +783,7 @@
           <a:p>
             <a:fld id="{846CE7D5-CF57-46EF-B807-FDD0502418D4}" type="datetimeFigureOut">
               <a:rPr lang="en-US" smtClean="0"/>
-              <a:t>11/14/2019</a:t>
+              <a:t>11/21/2019</a:t>
             </a:fld>
             <a:endParaRPr lang="en-US"/>
           </a:p>
@@ -954,7 +953,7 @@
           <a:p>
             <a:fld id="{846CE7D5-CF57-46EF-B807-FDD0502418D4}" type="datetimeFigureOut">
               <a:rPr lang="en-US" smtClean="0"/>
-              <a:t>11/14/2019</a:t>
+              <a:t>11/21/2019</a:t>
             </a:fld>
             <a:endParaRPr lang="en-US"/>
           </a:p>
@@ -1134,7 +1133,7 @@
           <a:p>
             <a:fld id="{846CE7D5-CF57-46EF-B807-FDD0502418D4}" type="datetimeFigureOut">
               <a:rPr lang="en-US" smtClean="0"/>
-              <a:t>11/14/2019</a:t>
+              <a:t>11/21/2019</a:t>
             </a:fld>
             <a:endParaRPr lang="en-US"/>
           </a:p>
@@ -1358,7 +1357,7 @@
           <a:p>
             <a:fld id="{9AB3A824-1A51-4B26-AD58-A6D8E14F6C04}" type="datetimeFigureOut">
               <a:rPr lang="en-US" smtClean="0"/>
-              <a:t>11/14/2019</a:t>
+              <a:t>11/21/2019</a:t>
             </a:fld>
             <a:endParaRPr lang="en-US" dirty="0"/>
           </a:p>
@@ -1532,7 +1531,7 @@
           <a:p>
             <a:fld id="{97D162C4-EDD9-4389-A98B-B87ECEA2A816}" type="datetimeFigureOut">
               <a:rPr lang="en-US" smtClean="0"/>
-              <a:t>11/14/2019</a:t>
+              <a:t>11/21/2019</a:t>
             </a:fld>
             <a:endParaRPr lang="en-US" dirty="0"/>
           </a:p>
@@ -1804,7 +1803,7 @@
           <a:p>
             <a:fld id="{3E5059C3-6A89-4494-99FF-5A4D6FFD50EB}" type="datetimeFigureOut">
               <a:rPr lang="en-US" smtClean="0"/>
-              <a:t>11/14/2019</a:t>
+              <a:t>11/21/2019</a:t>
             </a:fld>
             <a:endParaRPr lang="en-US" dirty="0"/>
           </a:p>
@@ -2040,7 +2039,7 @@
           <a:p>
             <a:fld id="{CA954B2F-12DE-47F5-8894-472B206D2E1E}" type="datetimeFigureOut">
               <a:rPr lang="en-US" smtClean="0"/>
-              <a:t>11/14/2019</a:t>
+              <a:t>11/21/2019</a:t>
             </a:fld>
             <a:endParaRPr lang="en-US" dirty="0"/>
           </a:p>
@@ -2403,7 +2402,7 @@
           <a:p>
             <a:fld id="{3CBC1C18-307B-4F68-A007-B5B542270E8D}" type="datetimeFigureOut">
               <a:rPr lang="en-US" smtClean="0"/>
-              <a:t>11/14/2019</a:t>
+              <a:t>11/21/2019</a:t>
             </a:fld>
             <a:endParaRPr lang="en-US" dirty="0"/>
           </a:p>
@@ -2550,7 +2549,7 @@
           <a:p>
             <a:fld id="{1FAF3416-4057-4DAA-829D-4CA07428D088}" type="datetimeFigureOut">
               <a:rPr lang="en-US" smtClean="0"/>
-              <a:t>11/14/2019</a:t>
+              <a:t>11/21/2019</a:t>
             </a:fld>
             <a:endParaRPr lang="en-US" dirty="0"/>
           </a:p>
@@ -2649,7 +2648,7 @@
           <a:p>
             <a:fld id="{921D9284-D300-4297-87F7-E791DCC15DB1}" type="datetimeFigureOut">
               <a:rPr lang="en-US" smtClean="0"/>
-              <a:t>11/14/2019</a:t>
+              <a:t>11/21/2019</a:t>
             </a:fld>
             <a:endParaRPr lang="en-US" dirty="0"/>
           </a:p>
@@ -3010,7 +3009,7 @@
           <a:p>
             <a:fld id="{37D525BB-DA17-4BA0-B3C8-3AC3ABC827E6}" type="datetimeFigureOut">
               <a:rPr lang="en-US" smtClean="0"/>
-              <a:t>11/14/2019</a:t>
+              <a:t>11/21/2019</a:t>
             </a:fld>
             <a:endParaRPr lang="en-US" dirty="0"/>
           </a:p>
@@ -3199,7 +3198,7 @@
           <a:p>
             <a:fld id="{846CE7D5-CF57-46EF-B807-FDD0502418D4}" type="datetimeFigureOut">
               <a:rPr lang="en-US" smtClean="0"/>
-              <a:t>11/14/2019</a:t>
+              <a:t>11/21/2019</a:t>
             </a:fld>
             <a:endParaRPr lang="en-US"/>
           </a:p>
@@ -3540,7 +3539,7 @@
           <a:p>
             <a:fld id="{B16C4C9A-3960-41CF-A4E9-2A8FB932454B}" type="datetimeFigureOut">
               <a:rPr lang="en-US" smtClean="0"/>
-              <a:t>11/14/2019</a:t>
+              <a:t>11/21/2019</a:t>
             </a:fld>
             <a:endParaRPr lang="en-US" dirty="0"/>
           </a:p>
@@ -3729,7 +3728,7 @@
           <a:p>
             <a:fld id="{D857E33E-8B18-4087-B112-809917729534}" type="datetimeFigureOut">
               <a:rPr lang="en-US" smtClean="0"/>
-              <a:t>11/14/2019</a:t>
+              <a:t>11/21/2019</a:t>
             </a:fld>
             <a:endParaRPr lang="en-US" dirty="0"/>
           </a:p>
@@ -3913,7 +3912,7 @@
           <a:p>
             <a:fld id="{D3FFE419-2371-464F-8239-3959401C3561}" type="datetimeFigureOut">
               <a:rPr lang="en-US" smtClean="0"/>
-              <a:t>11/14/2019</a:t>
+              <a:t>11/21/2019</a:t>
             </a:fld>
             <a:endParaRPr lang="en-US" dirty="0"/>
           </a:p>
@@ -4163,7 +4162,7 @@
           <a:p>
             <a:fld id="{846CE7D5-CF57-46EF-B807-FDD0502418D4}" type="datetimeFigureOut">
               <a:rPr lang="en-US" smtClean="0"/>
-              <a:t>11/14/2019</a:t>
+              <a:t>11/21/2019</a:t>
             </a:fld>
             <a:endParaRPr lang="en-US"/>
           </a:p>
@@ -4395,7 +4394,7 @@
           <a:p>
             <a:fld id="{846CE7D5-CF57-46EF-B807-FDD0502418D4}" type="datetimeFigureOut">
               <a:rPr lang="en-US" smtClean="0"/>
-              <a:t>11/14/2019</a:t>
+              <a:t>11/21/2019</a:t>
             </a:fld>
             <a:endParaRPr lang="en-US"/>
           </a:p>
@@ -4762,7 +4761,7 @@
           <a:p>
             <a:fld id="{846CE7D5-CF57-46EF-B807-FDD0502418D4}" type="datetimeFigureOut">
               <a:rPr lang="en-US" smtClean="0"/>
-              <a:t>11/14/2019</a:t>
+              <a:t>11/21/2019</a:t>
             </a:fld>
             <a:endParaRPr lang="en-US"/>
           </a:p>
@@ -4880,7 +4879,7 @@
           <a:p>
             <a:fld id="{846CE7D5-CF57-46EF-B807-FDD0502418D4}" type="datetimeFigureOut">
               <a:rPr lang="en-US" smtClean="0"/>
-              <a:t>11/14/2019</a:t>
+              <a:t>11/21/2019</a:t>
             </a:fld>
             <a:endParaRPr lang="en-US"/>
           </a:p>
@@ -4975,7 +4974,7 @@
           <a:p>
             <a:fld id="{846CE7D5-CF57-46EF-B807-FDD0502418D4}" type="datetimeFigureOut">
               <a:rPr lang="en-US" smtClean="0"/>
-              <a:t>11/14/2019</a:t>
+              <a:t>11/21/2019</a:t>
             </a:fld>
             <a:endParaRPr lang="en-US"/>
           </a:p>
@@ -5252,7 +5251,7 @@
           <a:p>
             <a:fld id="{846CE7D5-CF57-46EF-B807-FDD0502418D4}" type="datetimeFigureOut">
               <a:rPr lang="en-US" smtClean="0"/>
-              <a:t>11/14/2019</a:t>
+              <a:t>11/21/2019</a:t>
             </a:fld>
             <a:endParaRPr lang="en-US"/>
           </a:p>
@@ -5509,7 +5508,7 @@
           <a:p>
             <a:fld id="{846CE7D5-CF57-46EF-B807-FDD0502418D4}" type="datetimeFigureOut">
               <a:rPr lang="en-US" smtClean="0"/>
-              <a:t>11/14/2019</a:t>
+              <a:t>11/21/2019</a:t>
             </a:fld>
             <a:endParaRPr lang="en-US"/>
           </a:p>
@@ -5722,7 +5721,7 @@
           <a:p>
             <a:fld id="{846CE7D5-CF57-46EF-B807-FDD0502418D4}" type="datetimeFigureOut">
               <a:rPr lang="en-US" smtClean="0"/>
-              <a:t>11/14/2019</a:t>
+              <a:t>11/21/2019</a:t>
             </a:fld>
             <a:endParaRPr lang="en-US"/>
           </a:p>
@@ -6275,7 +6274,7 @@
           <a:p>
             <a:fld id="{3CBC1C18-307B-4F68-A007-B5B542270E8D}" type="datetimeFigureOut">
               <a:rPr lang="en-US" smtClean="0"/>
-              <a:t>11/14/2019</a:t>
+              <a:t>11/21/2019</a:t>
             </a:fld>
             <a:endParaRPr lang="en-US" dirty="0"/>
           </a:p>
@@ -6940,7 +6939,7 @@
         </p:spPr>
         <p:txBody>
           <a:bodyPr vert="horz" lIns="91440" tIns="45720" rIns="91440" bIns="45720" rtlCol="0" anchor="t">
-            <a:normAutofit fontScale="92500" lnSpcReduction="10000"/>
+            <a:normAutofit/>
           </a:bodyPr>
           <a:lstStyle/>
           <a:p>
@@ -6951,16 +6950,6 @@
                 </a:solidFill>
               </a:rPr>
               <a:t>Gustavo Celani</a:t>
-            </a:r>
-          </a:p>
-          <a:p>
-            <a:r>
-              <a:rPr lang="en-US" sz="1800" dirty="0">
-                <a:solidFill>
-                  <a:schemeClr val="tx1"/>
-                </a:solidFill>
-              </a:rPr>
-              <a:t>Sandra Carrillo</a:t>
             </a:r>
           </a:p>
         </p:txBody>
@@ -7004,2610 +6993,6 @@
     <p:extLst>
       <p:ext uri="{BB962C8B-B14F-4D97-AF65-F5344CB8AC3E}">
         <p14:creationId xmlns:p14="http://schemas.microsoft.com/office/powerpoint/2010/main" val="2278881135"/>
-      </p:ext>
-    </p:extLst>
-  </p:cSld>
-  <p:clrMapOvr>
-    <a:masterClrMapping/>
-  </p:clrMapOvr>
-</p:sld>
-</file>
-
-<file path=ppt/slides/slide10.xml><?xml version="1.0" encoding="utf-8"?>
-<p:sld xmlns:a="http://schemas.openxmlformats.org/drawingml/2006/main" xmlns:r="http://schemas.openxmlformats.org/officeDocument/2006/relationships" xmlns:p="http://schemas.openxmlformats.org/presentationml/2006/main">
-  <p:cSld>
-    <p:spTree>
-      <p:nvGrpSpPr>
-        <p:cNvPr id="1" name=""/>
-        <p:cNvGrpSpPr/>
-        <p:nvPr/>
-      </p:nvGrpSpPr>
-      <p:grpSpPr>
-        <a:xfrm>
-          <a:off x="0" y="0"/>
-          <a:ext cx="0" cy="0"/>
-          <a:chOff x="0" y="0"/>
-          <a:chExt cx="0" cy="0"/>
-        </a:xfrm>
-      </p:grpSpPr>
-      <p:pic>
-        <p:nvPicPr>
-          <p:cNvPr id="35" name="Graphic 14" descr="Server">
-            <a:extLst>
-              <a:ext uri="{FF2B5EF4-FFF2-40B4-BE49-F238E27FC236}">
-                <a16:creationId xmlns:a16="http://schemas.microsoft.com/office/drawing/2014/main" id="{2F66297F-9922-45E1-BA7A-894D6A29B3E5}"/>
-              </a:ext>
-            </a:extLst>
-          </p:cNvPr>
-          <p:cNvPicPr>
-            <a:picLocks noChangeAspect="1"/>
-          </p:cNvPicPr>
-          <p:nvPr/>
-        </p:nvPicPr>
-        <p:blipFill>
-          <a:blip r:embed="rId2">
-            <a:extLst>
-              <a:ext uri="{96DAC541-7B7A-43D3-8B79-37D633B846F1}">
-                <asvg:svgBlip xmlns:asvg="http://schemas.microsoft.com/office/drawing/2016/SVG/main" r:embed="rId3"/>
-              </a:ext>
-            </a:extLst>
-          </a:blip>
-          <a:stretch>
-            <a:fillRect/>
-          </a:stretch>
-        </p:blipFill>
-        <p:spPr>
-          <a:xfrm>
-            <a:off x="6748917" y="937144"/>
-            <a:ext cx="914400" cy="914400"/>
-          </a:xfrm>
-          <a:prstGeom prst="rect">
-            <a:avLst/>
-          </a:prstGeom>
-        </p:spPr>
-      </p:pic>
-      <p:pic>
-        <p:nvPicPr>
-          <p:cNvPr id="14" name="Graphic 14" descr="Server">
-            <a:extLst>
-              <a:ext uri="{FF2B5EF4-FFF2-40B4-BE49-F238E27FC236}">
-                <a16:creationId xmlns:a16="http://schemas.microsoft.com/office/drawing/2014/main" id="{3D11FFEC-19A2-45A1-BA0A-12B56A3C9963}"/>
-              </a:ext>
-            </a:extLst>
-          </p:cNvPr>
-          <p:cNvPicPr>
-            <a:picLocks noChangeAspect="1"/>
-          </p:cNvPicPr>
-          <p:nvPr/>
-        </p:nvPicPr>
-        <p:blipFill>
-          <a:blip r:embed="rId2">
-            <a:extLst>
-              <a:ext uri="{96DAC541-7B7A-43D3-8B79-37D633B846F1}">
-                <asvg:svgBlip xmlns:asvg="http://schemas.microsoft.com/office/drawing/2016/SVG/main" r:embed="rId3"/>
-              </a:ext>
-            </a:extLst>
-          </a:blip>
-          <a:stretch>
-            <a:fillRect/>
-          </a:stretch>
-        </p:blipFill>
-        <p:spPr>
-          <a:xfrm>
-            <a:off x="1047365" y="766815"/>
-            <a:ext cx="914400" cy="914400"/>
-          </a:xfrm>
-          <a:prstGeom prst="rect">
-            <a:avLst/>
-          </a:prstGeom>
-        </p:spPr>
-      </p:pic>
-      <p:pic>
-        <p:nvPicPr>
-          <p:cNvPr id="16" name="Graphic 14" descr="Server">
-            <a:extLst>
-              <a:ext uri="{FF2B5EF4-FFF2-40B4-BE49-F238E27FC236}">
-                <a16:creationId xmlns:a16="http://schemas.microsoft.com/office/drawing/2014/main" id="{E5622323-2A49-4F37-A438-E7294279C0D6}"/>
-              </a:ext>
-            </a:extLst>
-          </p:cNvPr>
-          <p:cNvPicPr>
-            <a:picLocks noChangeAspect="1"/>
-          </p:cNvPicPr>
-          <p:nvPr/>
-        </p:nvPicPr>
-        <p:blipFill>
-          <a:blip r:embed="rId2">
-            <a:extLst>
-              <a:ext uri="{96DAC541-7B7A-43D3-8B79-37D633B846F1}">
-                <asvg:svgBlip xmlns:asvg="http://schemas.microsoft.com/office/drawing/2016/SVG/main" r:embed="rId3"/>
-              </a:ext>
-            </a:extLst>
-          </a:blip>
-          <a:stretch>
-            <a:fillRect/>
-          </a:stretch>
-        </p:blipFill>
-        <p:spPr>
-          <a:xfrm>
-            <a:off x="2398659" y="762926"/>
-            <a:ext cx="914400" cy="914400"/>
-          </a:xfrm>
-          <a:prstGeom prst="rect">
-            <a:avLst/>
-          </a:prstGeom>
-        </p:spPr>
-      </p:pic>
-      <p:pic>
-        <p:nvPicPr>
-          <p:cNvPr id="17" name="Graphic 17" descr="Fire">
-            <a:extLst>
-              <a:ext uri="{FF2B5EF4-FFF2-40B4-BE49-F238E27FC236}">
-                <a16:creationId xmlns:a16="http://schemas.microsoft.com/office/drawing/2014/main" id="{8A98C7F4-083B-4523-96B8-65D02D66AA58}"/>
-              </a:ext>
-            </a:extLst>
-          </p:cNvPr>
-          <p:cNvPicPr>
-            <a:picLocks noChangeAspect="1"/>
-          </p:cNvPicPr>
-          <p:nvPr/>
-        </p:nvPicPr>
-        <p:blipFill>
-          <a:blip r:embed="rId4">
-            <a:extLst>
-              <a:ext uri="{96DAC541-7B7A-43D3-8B79-37D633B846F1}">
-                <asvg:svgBlip xmlns:asvg="http://schemas.microsoft.com/office/drawing/2016/SVG/main" r:embed="rId5"/>
-              </a:ext>
-            </a:extLst>
-          </a:blip>
-          <a:stretch>
-            <a:fillRect/>
-          </a:stretch>
-        </p:blipFill>
-        <p:spPr>
-          <a:xfrm>
-            <a:off x="7325029" y="1208130"/>
-            <a:ext cx="564777" cy="564777"/>
-          </a:xfrm>
-          <a:prstGeom prst="rect">
-            <a:avLst/>
-          </a:prstGeom>
-        </p:spPr>
-      </p:pic>
-      <p:sp>
-        <p:nvSpPr>
-          <p:cNvPr id="19" name="Cloud 18">
-            <a:extLst>
-              <a:ext uri="{FF2B5EF4-FFF2-40B4-BE49-F238E27FC236}">
-                <a16:creationId xmlns:a16="http://schemas.microsoft.com/office/drawing/2014/main" id="{8622B227-7A2D-423D-9B51-4FC5D36E1D76}"/>
-              </a:ext>
-            </a:extLst>
-          </p:cNvPr>
-          <p:cNvSpPr/>
-          <p:nvPr/>
-        </p:nvSpPr>
-        <p:spPr>
-          <a:xfrm>
-            <a:off x="385483" y="345141"/>
-            <a:ext cx="3777813" cy="2442073"/>
-          </a:xfrm>
-          <a:prstGeom prst="cloud">
-            <a:avLst/>
-          </a:prstGeom>
-          <a:noFill/>
-          <a:ln>
-            <a:solidFill>
-              <a:schemeClr val="tx1"/>
-            </a:solidFill>
-          </a:ln>
-        </p:spPr>
-        <p:style>
-          <a:lnRef idx="2">
-            <a:schemeClr val="accent1">
-              <a:shade val="50000"/>
-            </a:schemeClr>
-          </a:lnRef>
-          <a:fillRef idx="1">
-            <a:schemeClr val="accent1"/>
-          </a:fillRef>
-          <a:effectRef idx="0">
-            <a:schemeClr val="accent1"/>
-          </a:effectRef>
-          <a:fontRef idx="minor">
-            <a:schemeClr val="lt1"/>
-          </a:fontRef>
-        </p:style>
-        <p:txBody>
-          <a:bodyPr rtlCol="0" anchor="ctr"/>
-          <a:lstStyle/>
-          <a:p>
-            <a:pPr algn="ctr"/>
-            <a:endParaRPr lang="en-US"/>
-          </a:p>
-        </p:txBody>
-      </p:sp>
-      <p:sp>
-        <p:nvSpPr>
-          <p:cNvPr id="20" name="TextBox 19">
-            <a:extLst>
-              <a:ext uri="{FF2B5EF4-FFF2-40B4-BE49-F238E27FC236}">
-                <a16:creationId xmlns:a16="http://schemas.microsoft.com/office/drawing/2014/main" id="{7DD27DD7-7D3D-417E-B0CF-9267E250CCE2}"/>
-              </a:ext>
-            </a:extLst>
-          </p:cNvPr>
-          <p:cNvSpPr txBox="1"/>
-          <p:nvPr/>
-        </p:nvSpPr>
-        <p:spPr>
-          <a:xfrm>
-            <a:off x="725581" y="1568263"/>
-            <a:ext cx="1550895" cy="646331"/>
-          </a:xfrm>
-          <a:prstGeom prst="rect">
-            <a:avLst/>
-          </a:prstGeom>
-          <a:noFill/>
-        </p:spPr>
-        <p:txBody>
-          <a:bodyPr rot="0" spcFirstLastPara="0" vertOverflow="overflow" horzOverflow="overflow" vert="horz" wrap="square" lIns="91440" tIns="45720" rIns="91440" bIns="45720" numCol="1" spcCol="0" rtlCol="0" fromWordArt="0" anchor="t" anchorCtr="0" forceAA="0" compatLnSpc="1">
-            <a:prstTxWarp prst="textNoShape">
-              <a:avLst/>
-            </a:prstTxWarp>
-            <a:spAutoFit/>
-          </a:bodyPr>
-          <a:lstStyle/>
-          <a:p>
-            <a:pPr algn="ctr"/>
-            <a:r>
-              <a:rPr lang="en-US" dirty="0"/>
-              <a:t>www1</a:t>
-            </a:r>
-            <a:endParaRPr lang="en-US"/>
-          </a:p>
-          <a:p>
-            <a:pPr algn="ctr"/>
-            <a:r>
-              <a:rPr lang="en-US" dirty="0">
-                <a:cs typeface="Calibri"/>
-              </a:rPr>
-              <a:t>172.0.30.10</a:t>
-            </a:r>
-          </a:p>
-        </p:txBody>
-      </p:sp>
-      <p:sp>
-        <p:nvSpPr>
-          <p:cNvPr id="21" name="TextBox 20">
-            <a:extLst>
-              <a:ext uri="{FF2B5EF4-FFF2-40B4-BE49-F238E27FC236}">
-                <a16:creationId xmlns:a16="http://schemas.microsoft.com/office/drawing/2014/main" id="{8AC65279-0DBD-4975-B82D-319536C09E26}"/>
-              </a:ext>
-            </a:extLst>
-          </p:cNvPr>
-          <p:cNvSpPr txBox="1"/>
-          <p:nvPr/>
-        </p:nvSpPr>
-        <p:spPr>
-          <a:xfrm>
-            <a:off x="2079251" y="1568263"/>
-            <a:ext cx="1550895" cy="646331"/>
-          </a:xfrm>
-          <a:prstGeom prst="rect">
-            <a:avLst/>
-          </a:prstGeom>
-          <a:noFill/>
-        </p:spPr>
-        <p:txBody>
-          <a:bodyPr rot="0" spcFirstLastPara="0" vertOverflow="overflow" horzOverflow="overflow" vert="horz" wrap="square" lIns="91440" tIns="45720" rIns="91440" bIns="45720" numCol="1" spcCol="0" rtlCol="0" fromWordArt="0" anchor="t" anchorCtr="0" forceAA="0" compatLnSpc="1">
-            <a:prstTxWarp prst="textNoShape">
-              <a:avLst/>
-            </a:prstTxWarp>
-            <a:spAutoFit/>
-          </a:bodyPr>
-          <a:lstStyle/>
-          <a:p>
-            <a:pPr algn="ctr"/>
-            <a:r>
-              <a:rPr lang="en-US" dirty="0"/>
-              <a:t>www2</a:t>
-            </a:r>
-          </a:p>
-          <a:p>
-            <a:pPr algn="ctr"/>
-            <a:r>
-              <a:rPr lang="en-US" dirty="0">
-                <a:cs typeface="Calibri"/>
-              </a:rPr>
-              <a:t>172.0.30.20</a:t>
-            </a:r>
-          </a:p>
-        </p:txBody>
-      </p:sp>
-      <p:sp>
-        <p:nvSpPr>
-          <p:cNvPr id="22" name="TextBox 21">
-            <a:extLst>
-              <a:ext uri="{FF2B5EF4-FFF2-40B4-BE49-F238E27FC236}">
-                <a16:creationId xmlns:a16="http://schemas.microsoft.com/office/drawing/2014/main" id="{B1EB28F4-4971-45B9-886A-082621026F98}"/>
-              </a:ext>
-            </a:extLst>
-          </p:cNvPr>
-          <p:cNvSpPr txBox="1"/>
-          <p:nvPr/>
-        </p:nvSpPr>
-        <p:spPr>
-          <a:xfrm>
-            <a:off x="2024902" y="2392457"/>
-            <a:ext cx="717177" cy="369332"/>
-          </a:xfrm>
-          <a:prstGeom prst="rect">
-            <a:avLst/>
-          </a:prstGeom>
-          <a:noFill/>
-        </p:spPr>
-        <p:txBody>
-          <a:bodyPr rot="0" spcFirstLastPara="0" vertOverflow="overflow" horzOverflow="overflow" vert="horz" wrap="square" lIns="91440" tIns="45720" rIns="91440" bIns="45720" numCol="1" spcCol="0" rtlCol="0" fromWordArt="0" anchor="t" anchorCtr="0" forceAA="0" compatLnSpc="1">
-            <a:prstTxWarp prst="textNoShape">
-              <a:avLst/>
-            </a:prstTxWarp>
-            <a:spAutoFit/>
-          </a:bodyPr>
-          <a:lstStyle/>
-          <a:p>
-            <a:pPr algn="l"/>
-            <a:r>
-              <a:rPr lang="en-US" dirty="0"/>
-              <a:t>WEB</a:t>
-            </a:r>
-          </a:p>
-        </p:txBody>
-      </p:sp>
-      <p:pic>
-        <p:nvPicPr>
-          <p:cNvPr id="23" name="Graphic 14" descr="Server">
-            <a:extLst>
-              <a:ext uri="{FF2B5EF4-FFF2-40B4-BE49-F238E27FC236}">
-                <a16:creationId xmlns:a16="http://schemas.microsoft.com/office/drawing/2014/main" id="{91F6E9DA-DD3D-4C61-A8A4-B1DD4B95BA80}"/>
-              </a:ext>
-            </a:extLst>
-          </p:cNvPr>
-          <p:cNvPicPr>
-            <a:picLocks noChangeAspect="1"/>
-          </p:cNvPicPr>
-          <p:nvPr/>
-        </p:nvPicPr>
-        <p:blipFill>
-          <a:blip r:embed="rId2">
-            <a:extLst>
-              <a:ext uri="{96DAC541-7B7A-43D3-8B79-37D633B846F1}">
-                <asvg:svgBlip xmlns:asvg="http://schemas.microsoft.com/office/drawing/2016/SVG/main" r:embed="rId3"/>
-              </a:ext>
-            </a:extLst>
-          </a:blip>
-          <a:stretch>
-            <a:fillRect/>
-          </a:stretch>
-        </p:blipFill>
-        <p:spPr>
-          <a:xfrm>
-            <a:off x="1154941" y="4047897"/>
-            <a:ext cx="914400" cy="914400"/>
-          </a:xfrm>
-          <a:prstGeom prst="rect">
-            <a:avLst/>
-          </a:prstGeom>
-        </p:spPr>
-      </p:pic>
-      <p:pic>
-        <p:nvPicPr>
-          <p:cNvPr id="24" name="Graphic 14" descr="Server">
-            <a:extLst>
-              <a:ext uri="{FF2B5EF4-FFF2-40B4-BE49-F238E27FC236}">
-                <a16:creationId xmlns:a16="http://schemas.microsoft.com/office/drawing/2014/main" id="{F3B846F8-9C72-47B4-A39A-14A61569443A}"/>
-              </a:ext>
-            </a:extLst>
-          </p:cNvPr>
-          <p:cNvPicPr>
-            <a:picLocks noChangeAspect="1"/>
-          </p:cNvPicPr>
-          <p:nvPr/>
-        </p:nvPicPr>
-        <p:blipFill>
-          <a:blip r:embed="rId2">
-            <a:extLst>
-              <a:ext uri="{96DAC541-7B7A-43D3-8B79-37D633B846F1}">
-                <asvg:svgBlip xmlns:asvg="http://schemas.microsoft.com/office/drawing/2016/SVG/main" r:embed="rId3"/>
-              </a:ext>
-            </a:extLst>
-          </a:blip>
-          <a:stretch>
-            <a:fillRect/>
-          </a:stretch>
-        </p:blipFill>
-        <p:spPr>
-          <a:xfrm>
-            <a:off x="2506235" y="4044008"/>
-            <a:ext cx="914400" cy="914400"/>
-          </a:xfrm>
-          <a:prstGeom prst="rect">
-            <a:avLst/>
-          </a:prstGeom>
-        </p:spPr>
-      </p:pic>
-      <p:sp>
-        <p:nvSpPr>
-          <p:cNvPr id="25" name="Cloud 24">
-            <a:extLst>
-              <a:ext uri="{FF2B5EF4-FFF2-40B4-BE49-F238E27FC236}">
-                <a16:creationId xmlns:a16="http://schemas.microsoft.com/office/drawing/2014/main" id="{A947D92F-7425-4990-87EF-32746A88E204}"/>
-              </a:ext>
-            </a:extLst>
-          </p:cNvPr>
-          <p:cNvSpPr/>
-          <p:nvPr/>
-        </p:nvSpPr>
-        <p:spPr>
-          <a:xfrm>
-            <a:off x="493059" y="3626223"/>
-            <a:ext cx="3777813" cy="2442073"/>
-          </a:xfrm>
-          <a:prstGeom prst="cloud">
-            <a:avLst/>
-          </a:prstGeom>
-          <a:noFill/>
-          <a:ln>
-            <a:solidFill>
-              <a:schemeClr val="tx1"/>
-            </a:solidFill>
-          </a:ln>
-        </p:spPr>
-        <p:style>
-          <a:lnRef idx="2">
-            <a:schemeClr val="accent1">
-              <a:shade val="50000"/>
-            </a:schemeClr>
-          </a:lnRef>
-          <a:fillRef idx="1">
-            <a:schemeClr val="accent1"/>
-          </a:fillRef>
-          <a:effectRef idx="0">
-            <a:schemeClr val="accent1"/>
-          </a:effectRef>
-          <a:fontRef idx="minor">
-            <a:schemeClr val="lt1"/>
-          </a:fontRef>
-        </p:style>
-        <p:txBody>
-          <a:bodyPr rtlCol="0" anchor="ctr"/>
-          <a:lstStyle/>
-          <a:p>
-            <a:pPr algn="ctr"/>
-            <a:endParaRPr lang="en-US"/>
-          </a:p>
-        </p:txBody>
-      </p:sp>
-      <p:sp>
-        <p:nvSpPr>
-          <p:cNvPr id="26" name="TextBox 25">
-            <a:extLst>
-              <a:ext uri="{FF2B5EF4-FFF2-40B4-BE49-F238E27FC236}">
-                <a16:creationId xmlns:a16="http://schemas.microsoft.com/office/drawing/2014/main" id="{AC513E37-C20C-43AC-9D6F-BC939CBDF684}"/>
-              </a:ext>
-            </a:extLst>
-          </p:cNvPr>
-          <p:cNvSpPr txBox="1"/>
-          <p:nvPr/>
-        </p:nvSpPr>
-        <p:spPr>
-          <a:xfrm>
-            <a:off x="833157" y="4849345"/>
-            <a:ext cx="1550895" cy="646331"/>
-          </a:xfrm>
-          <a:prstGeom prst="rect">
-            <a:avLst/>
-          </a:prstGeom>
-          <a:noFill/>
-        </p:spPr>
-        <p:txBody>
-          <a:bodyPr rot="0" spcFirstLastPara="0" vertOverflow="overflow" horzOverflow="overflow" vert="horz" wrap="square" lIns="91440" tIns="45720" rIns="91440" bIns="45720" numCol="1" spcCol="0" rtlCol="0" fromWordArt="0" anchor="t" anchorCtr="0" forceAA="0" compatLnSpc="1">
-            <a:prstTxWarp prst="textNoShape">
-              <a:avLst/>
-            </a:prstTxWarp>
-            <a:spAutoFit/>
-          </a:bodyPr>
-          <a:lstStyle/>
-          <a:p>
-            <a:pPr algn="ctr"/>
-            <a:r>
-              <a:rPr lang="en-US" dirty="0"/>
-              <a:t>log</a:t>
-            </a:r>
-          </a:p>
-          <a:p>
-            <a:pPr algn="ctr"/>
-            <a:r>
-              <a:rPr lang="en-US" dirty="0">
-                <a:cs typeface="Calibri"/>
-              </a:rPr>
-              <a:t>172.0.20.10</a:t>
-            </a:r>
-          </a:p>
-        </p:txBody>
-      </p:sp>
-      <p:sp>
-        <p:nvSpPr>
-          <p:cNvPr id="27" name="TextBox 26">
-            <a:extLst>
-              <a:ext uri="{FF2B5EF4-FFF2-40B4-BE49-F238E27FC236}">
-                <a16:creationId xmlns:a16="http://schemas.microsoft.com/office/drawing/2014/main" id="{26484621-2EAF-45B2-969F-9D2162F1B652}"/>
-              </a:ext>
-            </a:extLst>
-          </p:cNvPr>
-          <p:cNvSpPr txBox="1"/>
-          <p:nvPr/>
-        </p:nvSpPr>
-        <p:spPr>
-          <a:xfrm>
-            <a:off x="2186827" y="4849345"/>
-            <a:ext cx="1550895" cy="646331"/>
-          </a:xfrm>
-          <a:prstGeom prst="rect">
-            <a:avLst/>
-          </a:prstGeom>
-          <a:noFill/>
-        </p:spPr>
-        <p:txBody>
-          <a:bodyPr rot="0" spcFirstLastPara="0" vertOverflow="overflow" horzOverflow="overflow" vert="horz" wrap="square" lIns="91440" tIns="45720" rIns="91440" bIns="45720" numCol="1" spcCol="0" rtlCol="0" fromWordArt="0" anchor="t" anchorCtr="0" forceAA="0" compatLnSpc="1">
-            <a:prstTxWarp prst="textNoShape">
-              <a:avLst/>
-            </a:prstTxWarp>
-            <a:spAutoFit/>
-          </a:bodyPr>
-          <a:lstStyle/>
-          <a:p>
-            <a:pPr algn="ctr"/>
-            <a:r>
-              <a:rPr lang="en-US" dirty="0"/>
-              <a:t>gerencia</a:t>
-            </a:r>
-            <a:endParaRPr lang="en-US" dirty="0" err="1">
-              <a:cs typeface="Calibri"/>
-            </a:endParaRPr>
-          </a:p>
-          <a:p>
-            <a:pPr algn="ctr"/>
-            <a:r>
-              <a:rPr lang="en-US" dirty="0">
-                <a:cs typeface="Calibri"/>
-              </a:rPr>
-              <a:t>172.0.20.20</a:t>
-            </a:r>
-          </a:p>
-        </p:txBody>
-      </p:sp>
-      <p:sp>
-        <p:nvSpPr>
-          <p:cNvPr id="28" name="TextBox 27">
-            <a:extLst>
-              <a:ext uri="{FF2B5EF4-FFF2-40B4-BE49-F238E27FC236}">
-                <a16:creationId xmlns:a16="http://schemas.microsoft.com/office/drawing/2014/main" id="{420E9F8F-AAD5-4761-9875-0BEBC508C7DC}"/>
-              </a:ext>
-            </a:extLst>
-          </p:cNvPr>
-          <p:cNvSpPr txBox="1"/>
-          <p:nvPr/>
-        </p:nvSpPr>
-        <p:spPr>
-          <a:xfrm>
-            <a:off x="1962149" y="5574927"/>
-            <a:ext cx="1084729" cy="369332"/>
-          </a:xfrm>
-          <a:prstGeom prst="rect">
-            <a:avLst/>
-          </a:prstGeom>
-          <a:noFill/>
-        </p:spPr>
-        <p:txBody>
-          <a:bodyPr rot="0" spcFirstLastPara="0" vertOverflow="overflow" horzOverflow="overflow" vert="horz" wrap="square" lIns="91440" tIns="45720" rIns="91440" bIns="45720" numCol="1" spcCol="0" rtlCol="0" fromWordArt="0" anchor="t" anchorCtr="0" forceAA="0" compatLnSpc="1">
-            <a:prstTxWarp prst="textNoShape">
-              <a:avLst/>
-            </a:prstTxWarp>
-            <a:spAutoFit/>
-          </a:bodyPr>
-          <a:lstStyle/>
-          <a:p>
-            <a:pPr algn="l"/>
-            <a:r>
-              <a:rPr lang="en-US" dirty="0"/>
-              <a:t>SERVERS</a:t>
-            </a:r>
-          </a:p>
-        </p:txBody>
-      </p:sp>
-      <p:pic>
-        <p:nvPicPr>
-          <p:cNvPr id="29" name="Graphic 14" descr="Server">
-            <a:extLst>
-              <a:ext uri="{FF2B5EF4-FFF2-40B4-BE49-F238E27FC236}">
-                <a16:creationId xmlns:a16="http://schemas.microsoft.com/office/drawing/2014/main" id="{B8FFF666-7D9C-4D8C-8332-7E6170A0B3E7}"/>
-              </a:ext>
-            </a:extLst>
-          </p:cNvPr>
-          <p:cNvPicPr>
-            <a:picLocks noChangeAspect="1"/>
-          </p:cNvPicPr>
-          <p:nvPr/>
-        </p:nvPicPr>
-        <p:blipFill>
-          <a:blip r:embed="rId2">
-            <a:extLst>
-              <a:ext uri="{96DAC541-7B7A-43D3-8B79-37D633B846F1}">
-                <asvg:svgBlip xmlns:asvg="http://schemas.microsoft.com/office/drawing/2016/SVG/main" r:embed="rId3"/>
-              </a:ext>
-            </a:extLst>
-          </a:blip>
-          <a:stretch>
-            <a:fillRect/>
-          </a:stretch>
-        </p:blipFill>
-        <p:spPr>
-          <a:xfrm>
-            <a:off x="6049670" y="4029968"/>
-            <a:ext cx="914400" cy="914400"/>
-          </a:xfrm>
-          <a:prstGeom prst="rect">
-            <a:avLst/>
-          </a:prstGeom>
-        </p:spPr>
-      </p:pic>
-      <p:pic>
-        <p:nvPicPr>
-          <p:cNvPr id="30" name="Graphic 14" descr="Server">
-            <a:extLst>
-              <a:ext uri="{FF2B5EF4-FFF2-40B4-BE49-F238E27FC236}">
-                <a16:creationId xmlns:a16="http://schemas.microsoft.com/office/drawing/2014/main" id="{3D051612-4DEE-4371-89F8-9B544CB1A552}"/>
-              </a:ext>
-            </a:extLst>
-          </p:cNvPr>
-          <p:cNvPicPr>
-            <a:picLocks noChangeAspect="1"/>
-          </p:cNvPicPr>
-          <p:nvPr/>
-        </p:nvPicPr>
-        <p:blipFill>
-          <a:blip r:embed="rId2">
-            <a:extLst>
-              <a:ext uri="{96DAC541-7B7A-43D3-8B79-37D633B846F1}">
-                <asvg:svgBlip xmlns:asvg="http://schemas.microsoft.com/office/drawing/2016/SVG/main" r:embed="rId3"/>
-              </a:ext>
-            </a:extLst>
-          </a:blip>
-          <a:stretch>
-            <a:fillRect/>
-          </a:stretch>
-        </p:blipFill>
-        <p:spPr>
-          <a:xfrm>
-            <a:off x="7400964" y="4026079"/>
-            <a:ext cx="914400" cy="914400"/>
-          </a:xfrm>
-          <a:prstGeom prst="rect">
-            <a:avLst/>
-          </a:prstGeom>
-        </p:spPr>
-      </p:pic>
-      <p:sp>
-        <p:nvSpPr>
-          <p:cNvPr id="31" name="Cloud 30">
-            <a:extLst>
-              <a:ext uri="{FF2B5EF4-FFF2-40B4-BE49-F238E27FC236}">
-                <a16:creationId xmlns:a16="http://schemas.microsoft.com/office/drawing/2014/main" id="{2EE20406-5D8F-4E29-B419-30AE7BDD8A3A}"/>
-              </a:ext>
-            </a:extLst>
-          </p:cNvPr>
-          <p:cNvSpPr/>
-          <p:nvPr/>
-        </p:nvSpPr>
-        <p:spPr>
-          <a:xfrm>
-            <a:off x="5387788" y="3608294"/>
-            <a:ext cx="3777813" cy="2442073"/>
-          </a:xfrm>
-          <a:prstGeom prst="cloud">
-            <a:avLst/>
-          </a:prstGeom>
-          <a:noFill/>
-          <a:ln>
-            <a:solidFill>
-              <a:schemeClr val="tx1"/>
-            </a:solidFill>
-          </a:ln>
-        </p:spPr>
-        <p:style>
-          <a:lnRef idx="2">
-            <a:schemeClr val="accent1">
-              <a:shade val="50000"/>
-            </a:schemeClr>
-          </a:lnRef>
-          <a:fillRef idx="1">
-            <a:schemeClr val="accent1"/>
-          </a:fillRef>
-          <a:effectRef idx="0">
-            <a:schemeClr val="accent1"/>
-          </a:effectRef>
-          <a:fontRef idx="minor">
-            <a:schemeClr val="lt1"/>
-          </a:fontRef>
-        </p:style>
-        <p:txBody>
-          <a:bodyPr rtlCol="0" anchor="ctr"/>
-          <a:lstStyle/>
-          <a:p>
-            <a:pPr algn="ctr"/>
-            <a:endParaRPr lang="en-US"/>
-          </a:p>
-        </p:txBody>
-      </p:sp>
-      <p:sp>
-        <p:nvSpPr>
-          <p:cNvPr id="32" name="TextBox 31">
-            <a:extLst>
-              <a:ext uri="{FF2B5EF4-FFF2-40B4-BE49-F238E27FC236}">
-                <a16:creationId xmlns:a16="http://schemas.microsoft.com/office/drawing/2014/main" id="{3ACFA7B2-6B59-4F73-89F3-CAD5766493F6}"/>
-              </a:ext>
-            </a:extLst>
-          </p:cNvPr>
-          <p:cNvSpPr txBox="1"/>
-          <p:nvPr/>
-        </p:nvSpPr>
-        <p:spPr>
-          <a:xfrm>
-            <a:off x="5727886" y="4831416"/>
-            <a:ext cx="1550895" cy="646331"/>
-          </a:xfrm>
-          <a:prstGeom prst="rect">
-            <a:avLst/>
-          </a:prstGeom>
-          <a:noFill/>
-        </p:spPr>
-        <p:txBody>
-          <a:bodyPr rot="0" spcFirstLastPara="0" vertOverflow="overflow" horzOverflow="overflow" vert="horz" wrap="square" lIns="91440" tIns="45720" rIns="91440" bIns="45720" numCol="1" spcCol="0" rtlCol="0" fromWordArt="0" anchor="t" anchorCtr="0" forceAA="0" compatLnSpc="1">
-            <a:prstTxWarp prst="textNoShape">
-              <a:avLst/>
-            </a:prstTxWarp>
-            <a:spAutoFit/>
-          </a:bodyPr>
-          <a:lstStyle/>
-          <a:p>
-            <a:pPr algn="ctr"/>
-            <a:r>
-              <a:rPr lang="en-US" dirty="0"/>
-              <a:t>ssh</a:t>
-            </a:r>
-            <a:endParaRPr lang="en-US" dirty="0">
-              <a:cs typeface="Calibri"/>
-            </a:endParaRPr>
-          </a:p>
-          <a:p>
-            <a:pPr algn="ctr"/>
-            <a:r>
-              <a:rPr lang="en-US" dirty="0">
-                <a:cs typeface="Calibri"/>
-              </a:rPr>
-              <a:t>172.0.10.10</a:t>
-            </a:r>
-          </a:p>
-        </p:txBody>
-      </p:sp>
-      <p:sp>
-        <p:nvSpPr>
-          <p:cNvPr id="33" name="TextBox 32">
-            <a:extLst>
-              <a:ext uri="{FF2B5EF4-FFF2-40B4-BE49-F238E27FC236}">
-                <a16:creationId xmlns:a16="http://schemas.microsoft.com/office/drawing/2014/main" id="{063225D5-C263-417D-8D39-D51C1D99CEFF}"/>
-              </a:ext>
-            </a:extLst>
-          </p:cNvPr>
-          <p:cNvSpPr txBox="1"/>
-          <p:nvPr/>
-        </p:nvSpPr>
-        <p:spPr>
-          <a:xfrm>
-            <a:off x="7081556" y="4831416"/>
-            <a:ext cx="1550895" cy="646331"/>
-          </a:xfrm>
-          <a:prstGeom prst="rect">
-            <a:avLst/>
-          </a:prstGeom>
-          <a:noFill/>
-        </p:spPr>
-        <p:txBody>
-          <a:bodyPr rot="0" spcFirstLastPara="0" vertOverflow="overflow" horzOverflow="overflow" vert="horz" wrap="square" lIns="91440" tIns="45720" rIns="91440" bIns="45720" numCol="1" spcCol="0" rtlCol="0" fromWordArt="0" anchor="t" anchorCtr="0" forceAA="0" compatLnSpc="1">
-            <a:prstTxWarp prst="textNoShape">
-              <a:avLst/>
-            </a:prstTxWarp>
-            <a:spAutoFit/>
-          </a:bodyPr>
-          <a:lstStyle/>
-          <a:p>
-            <a:pPr algn="ctr"/>
-            <a:r>
-              <a:rPr lang="en-US" dirty="0"/>
-              <a:t>proxy</a:t>
-            </a:r>
-            <a:endParaRPr lang="en-US" dirty="0" err="1">
-              <a:cs typeface="Calibri"/>
-            </a:endParaRPr>
-          </a:p>
-          <a:p>
-            <a:pPr algn="ctr"/>
-            <a:r>
-              <a:rPr lang="en-US" dirty="0">
-                <a:cs typeface="Calibri"/>
-              </a:rPr>
-              <a:t>172.0.10.20</a:t>
-            </a:r>
-          </a:p>
-        </p:txBody>
-      </p:sp>
-      <p:sp>
-        <p:nvSpPr>
-          <p:cNvPr id="34" name="TextBox 33">
-            <a:extLst>
-              <a:ext uri="{FF2B5EF4-FFF2-40B4-BE49-F238E27FC236}">
-                <a16:creationId xmlns:a16="http://schemas.microsoft.com/office/drawing/2014/main" id="{C84AB764-67E8-42C4-A40A-CFDFFB22A788}"/>
-              </a:ext>
-            </a:extLst>
-          </p:cNvPr>
-          <p:cNvSpPr txBox="1"/>
-          <p:nvPr/>
-        </p:nvSpPr>
-        <p:spPr>
-          <a:xfrm>
-            <a:off x="7027207" y="5583892"/>
-            <a:ext cx="1084729" cy="369332"/>
-          </a:xfrm>
-          <a:prstGeom prst="rect">
-            <a:avLst/>
-          </a:prstGeom>
-          <a:noFill/>
-        </p:spPr>
-        <p:txBody>
-          <a:bodyPr rot="0" spcFirstLastPara="0" vertOverflow="overflow" horzOverflow="overflow" vert="horz" wrap="square" lIns="91440" tIns="45720" rIns="91440" bIns="45720" numCol="1" spcCol="0" rtlCol="0" fromWordArt="0" anchor="t" anchorCtr="0" forceAA="0" compatLnSpc="1">
-            <a:prstTxWarp prst="textNoShape">
-              <a:avLst/>
-            </a:prstTxWarp>
-            <a:spAutoFit/>
-          </a:bodyPr>
-          <a:lstStyle/>
-          <a:p>
-            <a:pPr algn="l"/>
-            <a:r>
-              <a:rPr lang="en-US" dirty="0"/>
-              <a:t>DMZ</a:t>
-            </a:r>
-          </a:p>
-        </p:txBody>
-      </p:sp>
-      <p:sp>
-        <p:nvSpPr>
-          <p:cNvPr id="36" name="TextBox 35">
-            <a:extLst>
-              <a:ext uri="{FF2B5EF4-FFF2-40B4-BE49-F238E27FC236}">
-                <a16:creationId xmlns:a16="http://schemas.microsoft.com/office/drawing/2014/main" id="{87DE2598-163D-4EF1-8E09-69F17A781CDB}"/>
-              </a:ext>
-            </a:extLst>
-          </p:cNvPr>
-          <p:cNvSpPr txBox="1"/>
-          <p:nvPr/>
-        </p:nvSpPr>
-        <p:spPr>
-          <a:xfrm>
-            <a:off x="6427133" y="1765486"/>
-            <a:ext cx="1550895" cy="646331"/>
-          </a:xfrm>
-          <a:prstGeom prst="rect">
-            <a:avLst/>
-          </a:prstGeom>
-          <a:noFill/>
-        </p:spPr>
-        <p:txBody>
-          <a:bodyPr rot="0" spcFirstLastPara="0" vertOverflow="overflow" horzOverflow="overflow" vert="horz" wrap="square" lIns="91440" tIns="45720" rIns="91440" bIns="45720" numCol="1" spcCol="0" rtlCol="0" fromWordArt="0" anchor="t" anchorCtr="0" forceAA="0" compatLnSpc="1">
-            <a:prstTxWarp prst="textNoShape">
-              <a:avLst/>
-            </a:prstTxWarp>
-            <a:spAutoFit/>
-          </a:bodyPr>
-          <a:lstStyle/>
-          <a:p>
-            <a:pPr algn="ctr"/>
-            <a:r>
-              <a:rPr lang="en-US" dirty="0"/>
-              <a:t>firewall</a:t>
-            </a:r>
-            <a:endParaRPr lang="en-US" dirty="0">
-              <a:cs typeface="Calibri"/>
-            </a:endParaRPr>
-          </a:p>
-          <a:p>
-            <a:pPr algn="ctr"/>
-            <a:endParaRPr lang="en-US" dirty="0">
-              <a:cs typeface="Calibri"/>
-            </a:endParaRPr>
-          </a:p>
-        </p:txBody>
-      </p:sp>
-      <p:cxnSp>
-        <p:nvCxnSpPr>
-          <p:cNvPr id="37" name="Straight Arrow Connector 36">
-            <a:extLst>
-              <a:ext uri="{FF2B5EF4-FFF2-40B4-BE49-F238E27FC236}">
-                <a16:creationId xmlns:a16="http://schemas.microsoft.com/office/drawing/2014/main" id="{D3DE028A-0083-4F5D-B221-B6542B5F6FC9}"/>
-              </a:ext>
-            </a:extLst>
-          </p:cNvPr>
-          <p:cNvCxnSpPr/>
-          <p:nvPr/>
-        </p:nvCxnSpPr>
-        <p:spPr>
-          <a:xfrm>
-            <a:off x="4193801" y="1508872"/>
-            <a:ext cx="2545977" cy="17930"/>
-          </a:xfrm>
-          <a:prstGeom prst="straightConnector1">
-            <a:avLst/>
-          </a:prstGeom>
-        </p:spPr>
-        <p:style>
-          <a:lnRef idx="2">
-            <a:schemeClr val="dk1"/>
-          </a:lnRef>
-          <a:fillRef idx="0">
-            <a:schemeClr val="dk1"/>
-          </a:fillRef>
-          <a:effectRef idx="1">
-            <a:schemeClr val="dk1"/>
-          </a:effectRef>
-          <a:fontRef idx="minor">
-            <a:schemeClr val="tx1"/>
-          </a:fontRef>
-        </p:style>
-      </p:cxnSp>
-      <p:cxnSp>
-        <p:nvCxnSpPr>
-          <p:cNvPr id="38" name="Straight Arrow Connector 37">
-            <a:extLst>
-              <a:ext uri="{FF2B5EF4-FFF2-40B4-BE49-F238E27FC236}">
-                <a16:creationId xmlns:a16="http://schemas.microsoft.com/office/drawing/2014/main" id="{9A9BE83B-BEC8-4694-B066-C4266BB9D2A6}"/>
-              </a:ext>
-            </a:extLst>
-          </p:cNvPr>
-          <p:cNvCxnSpPr/>
-          <p:nvPr/>
-        </p:nvCxnSpPr>
-        <p:spPr>
-          <a:xfrm>
-            <a:off x="7250205" y="2117912"/>
-            <a:ext cx="26895" cy="1595717"/>
-          </a:xfrm>
-          <a:prstGeom prst="straightConnector1">
-            <a:avLst/>
-          </a:prstGeom>
-        </p:spPr>
-        <p:style>
-          <a:lnRef idx="2">
-            <a:schemeClr val="dk1"/>
-          </a:lnRef>
-          <a:fillRef idx="0">
-            <a:schemeClr val="dk1"/>
-          </a:fillRef>
-          <a:effectRef idx="1">
-            <a:schemeClr val="dk1"/>
-          </a:effectRef>
-          <a:fontRef idx="minor">
-            <a:schemeClr val="tx1"/>
-          </a:fontRef>
-        </p:style>
-      </p:cxnSp>
-      <p:cxnSp>
-        <p:nvCxnSpPr>
-          <p:cNvPr id="39" name="Straight Arrow Connector 38">
-            <a:extLst>
-              <a:ext uri="{FF2B5EF4-FFF2-40B4-BE49-F238E27FC236}">
-                <a16:creationId xmlns:a16="http://schemas.microsoft.com/office/drawing/2014/main" id="{50609E53-4E3C-4CDB-9524-DAD302DB8658}"/>
-              </a:ext>
-            </a:extLst>
-          </p:cNvPr>
-          <p:cNvCxnSpPr/>
-          <p:nvPr/>
-        </p:nvCxnSpPr>
-        <p:spPr>
-          <a:xfrm flipH="1">
-            <a:off x="3681694" y="2000809"/>
-            <a:ext cx="3003176" cy="1712260"/>
-          </a:xfrm>
-          <a:prstGeom prst="straightConnector1">
-            <a:avLst/>
-          </a:prstGeom>
-        </p:spPr>
-        <p:style>
-          <a:lnRef idx="2">
-            <a:schemeClr val="dk1"/>
-          </a:lnRef>
-          <a:fillRef idx="0">
-            <a:schemeClr val="dk1"/>
-          </a:fillRef>
-          <a:effectRef idx="1">
-            <a:schemeClr val="dk1"/>
-          </a:effectRef>
-          <a:fontRef idx="minor">
-            <a:schemeClr val="tx1"/>
-          </a:fontRef>
-        </p:style>
-      </p:cxnSp>
-      <p:sp>
-        <p:nvSpPr>
-          <p:cNvPr id="40" name="TextBox 39">
-            <a:extLst>
-              <a:ext uri="{FF2B5EF4-FFF2-40B4-BE49-F238E27FC236}">
-                <a16:creationId xmlns:a16="http://schemas.microsoft.com/office/drawing/2014/main" id="{F6BBA27F-3C84-4175-A8AF-F009768F5918}"/>
-              </a:ext>
-            </a:extLst>
-          </p:cNvPr>
-          <p:cNvSpPr txBox="1"/>
-          <p:nvPr/>
-        </p:nvSpPr>
-        <p:spPr>
-          <a:xfrm>
-            <a:off x="5270125" y="1209115"/>
-            <a:ext cx="1470212" cy="369332"/>
-          </a:xfrm>
-          <a:prstGeom prst="rect">
-            <a:avLst/>
-          </a:prstGeom>
-          <a:noFill/>
-        </p:spPr>
-        <p:txBody>
-          <a:bodyPr rot="0" spcFirstLastPara="0" vertOverflow="overflow" horzOverflow="overflow" vert="horz" wrap="square" lIns="91440" tIns="45720" rIns="91440" bIns="45720" numCol="1" spcCol="0" rtlCol="0" fromWordArt="0" anchor="t" anchorCtr="0" forceAA="0" compatLnSpc="1">
-            <a:prstTxWarp prst="textNoShape">
-              <a:avLst/>
-            </a:prstTxWarp>
-            <a:spAutoFit/>
-          </a:bodyPr>
-          <a:lstStyle/>
-          <a:p>
-            <a:pPr algn="l"/>
-            <a:r>
-              <a:rPr lang="en-US" dirty="0"/>
-              <a:t>172.0.30.100</a:t>
-            </a:r>
-          </a:p>
-        </p:txBody>
-      </p:sp>
-      <p:sp>
-        <p:nvSpPr>
-          <p:cNvPr id="41" name="TextBox 40">
-            <a:extLst>
-              <a:ext uri="{FF2B5EF4-FFF2-40B4-BE49-F238E27FC236}">
-                <a16:creationId xmlns:a16="http://schemas.microsoft.com/office/drawing/2014/main" id="{B35574EB-79FB-4FFF-B119-1E093310FB9B}"/>
-              </a:ext>
-            </a:extLst>
-          </p:cNvPr>
-          <p:cNvSpPr txBox="1"/>
-          <p:nvPr/>
-        </p:nvSpPr>
-        <p:spPr>
-          <a:xfrm rot="19860000">
-            <a:off x="5350807" y="1953185"/>
-            <a:ext cx="1470212" cy="369332"/>
-          </a:xfrm>
-          <a:prstGeom prst="rect">
-            <a:avLst/>
-          </a:prstGeom>
-          <a:noFill/>
-        </p:spPr>
-        <p:txBody>
-          <a:bodyPr rot="0" spcFirstLastPara="0" vertOverflow="overflow" horzOverflow="overflow" vert="horz" wrap="square" lIns="91440" tIns="45720" rIns="91440" bIns="45720" numCol="1" spcCol="0" rtlCol="0" fromWordArt="0" anchor="t" anchorCtr="0" forceAA="0" compatLnSpc="1">
-            <a:prstTxWarp prst="textNoShape">
-              <a:avLst/>
-            </a:prstTxWarp>
-            <a:spAutoFit/>
-          </a:bodyPr>
-          <a:lstStyle/>
-          <a:p>
-            <a:pPr algn="l"/>
-            <a:r>
-              <a:rPr lang="en-US" dirty="0"/>
-              <a:t>172.0.20.100</a:t>
-            </a:r>
-          </a:p>
-        </p:txBody>
-      </p:sp>
-      <p:sp>
-        <p:nvSpPr>
-          <p:cNvPr id="43" name="TextBox 42">
-            <a:extLst>
-              <a:ext uri="{FF2B5EF4-FFF2-40B4-BE49-F238E27FC236}">
-                <a16:creationId xmlns:a16="http://schemas.microsoft.com/office/drawing/2014/main" id="{98C5A229-6784-4366-A31B-2C4CCD807616}"/>
-              </a:ext>
-            </a:extLst>
-          </p:cNvPr>
-          <p:cNvSpPr txBox="1"/>
-          <p:nvPr/>
-        </p:nvSpPr>
-        <p:spPr>
-          <a:xfrm>
-            <a:off x="7206501" y="2231091"/>
-            <a:ext cx="1470212" cy="369332"/>
-          </a:xfrm>
-          <a:prstGeom prst="rect">
-            <a:avLst/>
-          </a:prstGeom>
-          <a:noFill/>
-        </p:spPr>
-        <p:txBody>
-          <a:bodyPr rot="0" spcFirstLastPara="0" vertOverflow="overflow" horzOverflow="overflow" vert="horz" wrap="square" lIns="91440" tIns="45720" rIns="91440" bIns="45720" numCol="1" spcCol="0" rtlCol="0" fromWordArt="0" anchor="t" anchorCtr="0" forceAA="0" compatLnSpc="1">
-            <a:prstTxWarp prst="textNoShape">
-              <a:avLst/>
-            </a:prstTxWarp>
-            <a:spAutoFit/>
-          </a:bodyPr>
-          <a:lstStyle/>
-          <a:p>
-            <a:pPr algn="l"/>
-            <a:r>
-              <a:rPr lang="en-US" dirty="0"/>
-              <a:t>172.0.10.100</a:t>
-            </a:r>
-          </a:p>
-        </p:txBody>
-      </p:sp>
-      <p:sp>
-        <p:nvSpPr>
-          <p:cNvPr id="47" name="Cloud 46">
-            <a:extLst>
-              <a:ext uri="{FF2B5EF4-FFF2-40B4-BE49-F238E27FC236}">
-                <a16:creationId xmlns:a16="http://schemas.microsoft.com/office/drawing/2014/main" id="{6A2705EA-EDC9-446B-BF6C-B05F10C6EEB5}"/>
-              </a:ext>
-            </a:extLst>
-          </p:cNvPr>
-          <p:cNvSpPr/>
-          <p:nvPr/>
-        </p:nvSpPr>
-        <p:spPr>
-          <a:xfrm>
-            <a:off x="9027458" y="1089211"/>
-            <a:ext cx="1581461" cy="774638"/>
-          </a:xfrm>
-          <a:prstGeom prst="cloud">
-            <a:avLst/>
-          </a:prstGeom>
-          <a:noFill/>
-          <a:ln>
-            <a:solidFill>
-              <a:schemeClr val="tx1"/>
-            </a:solidFill>
-          </a:ln>
-        </p:spPr>
-        <p:style>
-          <a:lnRef idx="2">
-            <a:schemeClr val="accent1">
-              <a:shade val="50000"/>
-            </a:schemeClr>
-          </a:lnRef>
-          <a:fillRef idx="1">
-            <a:schemeClr val="accent1"/>
-          </a:fillRef>
-          <a:effectRef idx="0">
-            <a:schemeClr val="accent1"/>
-          </a:effectRef>
-          <a:fontRef idx="minor">
-            <a:schemeClr val="lt1"/>
-          </a:fontRef>
-        </p:style>
-        <p:txBody>
-          <a:bodyPr rtlCol="0" anchor="ctr"/>
-          <a:lstStyle/>
-          <a:p>
-            <a:pPr algn="ctr"/>
-            <a:endParaRPr lang="en-US"/>
-          </a:p>
-        </p:txBody>
-      </p:sp>
-      <p:sp>
-        <p:nvSpPr>
-          <p:cNvPr id="48" name="TextBox 47">
-            <a:extLst>
-              <a:ext uri="{FF2B5EF4-FFF2-40B4-BE49-F238E27FC236}">
-                <a16:creationId xmlns:a16="http://schemas.microsoft.com/office/drawing/2014/main" id="{2B946BBE-6358-43DD-AEA9-3C1588B2FA70}"/>
-              </a:ext>
-            </a:extLst>
-          </p:cNvPr>
-          <p:cNvSpPr txBox="1"/>
-          <p:nvPr/>
-        </p:nvSpPr>
-        <p:spPr>
-          <a:xfrm>
-            <a:off x="9349065" y="1253939"/>
-            <a:ext cx="1084729" cy="369332"/>
-          </a:xfrm>
-          <a:prstGeom prst="rect">
-            <a:avLst/>
-          </a:prstGeom>
-          <a:noFill/>
-        </p:spPr>
-        <p:txBody>
-          <a:bodyPr rot="0" spcFirstLastPara="0" vertOverflow="overflow" horzOverflow="overflow" vert="horz" wrap="square" lIns="91440" tIns="45720" rIns="91440" bIns="45720" numCol="1" spcCol="0" rtlCol="0" fromWordArt="0" anchor="t" anchorCtr="0" forceAA="0" compatLnSpc="1">
-            <a:prstTxWarp prst="textNoShape">
-              <a:avLst/>
-            </a:prstTxWarp>
-            <a:spAutoFit/>
-          </a:bodyPr>
-          <a:lstStyle/>
-          <a:p>
-            <a:pPr algn="l"/>
-            <a:r>
-              <a:rPr lang="en-US" dirty="0"/>
-              <a:t>Internet</a:t>
-            </a:r>
-          </a:p>
-        </p:txBody>
-      </p:sp>
-      <p:cxnSp>
-        <p:nvCxnSpPr>
-          <p:cNvPr id="49" name="Straight Arrow Connector 48">
-            <a:extLst>
-              <a:ext uri="{FF2B5EF4-FFF2-40B4-BE49-F238E27FC236}">
-                <a16:creationId xmlns:a16="http://schemas.microsoft.com/office/drawing/2014/main" id="{A0C8648E-6D6E-4044-B827-C913201D84AC}"/>
-              </a:ext>
-            </a:extLst>
-          </p:cNvPr>
-          <p:cNvCxnSpPr>
-            <a:cxnSpLocks/>
-          </p:cNvCxnSpPr>
-          <p:nvPr/>
-        </p:nvCxnSpPr>
-        <p:spPr>
-          <a:xfrm flipV="1">
-            <a:off x="7860365" y="1508873"/>
-            <a:ext cx="1192307" cy="17928"/>
-          </a:xfrm>
-          <a:prstGeom prst="straightConnector1">
-            <a:avLst/>
-          </a:prstGeom>
-        </p:spPr>
-        <p:style>
-          <a:lnRef idx="2">
-            <a:schemeClr val="dk1"/>
-          </a:lnRef>
-          <a:fillRef idx="0">
-            <a:schemeClr val="dk1"/>
-          </a:fillRef>
-          <a:effectRef idx="1">
-            <a:schemeClr val="dk1"/>
-          </a:effectRef>
-          <a:fontRef idx="minor">
-            <a:schemeClr val="tx1"/>
-          </a:fontRef>
-        </p:style>
-      </p:cxnSp>
-    </p:spTree>
-    <p:extLst>
-      <p:ext uri="{BB962C8B-B14F-4D97-AF65-F5344CB8AC3E}">
-        <p14:creationId xmlns:p14="http://schemas.microsoft.com/office/powerpoint/2010/main" val="109857222"/>
-      </p:ext>
-    </p:extLst>
-  </p:cSld>
-  <p:clrMapOvr>
-    <a:masterClrMapping/>
-  </p:clrMapOvr>
-</p:sld>
-</file>
-
-<file path=ppt/slides/slide11.xml><?xml version="1.0" encoding="utf-8"?>
-<p:sld xmlns:a="http://schemas.openxmlformats.org/drawingml/2006/main" xmlns:r="http://schemas.openxmlformats.org/officeDocument/2006/relationships" xmlns:p="http://schemas.openxmlformats.org/presentationml/2006/main">
-  <p:cSld>
-    <p:spTree>
-      <p:nvGrpSpPr>
-        <p:cNvPr id="1" name=""/>
-        <p:cNvGrpSpPr/>
-        <p:nvPr/>
-      </p:nvGrpSpPr>
-      <p:grpSpPr>
-        <a:xfrm>
-          <a:off x="0" y="0"/>
-          <a:ext cx="0" cy="0"/>
-          <a:chOff x="0" y="0"/>
-          <a:chExt cx="0" cy="0"/>
-        </a:xfrm>
-      </p:grpSpPr>
-      <p:pic>
-        <p:nvPicPr>
-          <p:cNvPr id="35" name="Graphic 14" descr="Server">
-            <a:extLst>
-              <a:ext uri="{FF2B5EF4-FFF2-40B4-BE49-F238E27FC236}">
-                <a16:creationId xmlns:a16="http://schemas.microsoft.com/office/drawing/2014/main" id="{2F66297F-9922-45E1-BA7A-894D6A29B3E5}"/>
-              </a:ext>
-            </a:extLst>
-          </p:cNvPr>
-          <p:cNvPicPr>
-            <a:picLocks noChangeAspect="1"/>
-          </p:cNvPicPr>
-          <p:nvPr/>
-        </p:nvPicPr>
-        <p:blipFill>
-          <a:blip r:embed="rId2">
-            <a:extLst>
-              <a:ext uri="{96DAC541-7B7A-43D3-8B79-37D633B846F1}">
-                <asvg:svgBlip xmlns:asvg="http://schemas.microsoft.com/office/drawing/2016/SVG/main" r:embed="rId3"/>
-              </a:ext>
-            </a:extLst>
-          </a:blip>
-          <a:stretch>
-            <a:fillRect/>
-          </a:stretch>
-        </p:blipFill>
-        <p:spPr>
-          <a:xfrm>
-            <a:off x="6748917" y="937144"/>
-            <a:ext cx="914400" cy="914400"/>
-          </a:xfrm>
-          <a:prstGeom prst="rect">
-            <a:avLst/>
-          </a:prstGeom>
-        </p:spPr>
-      </p:pic>
-      <p:pic>
-        <p:nvPicPr>
-          <p:cNvPr id="14" name="Graphic 14" descr="Server">
-            <a:extLst>
-              <a:ext uri="{FF2B5EF4-FFF2-40B4-BE49-F238E27FC236}">
-                <a16:creationId xmlns:a16="http://schemas.microsoft.com/office/drawing/2014/main" id="{3D11FFEC-19A2-45A1-BA0A-12B56A3C9963}"/>
-              </a:ext>
-            </a:extLst>
-          </p:cNvPr>
-          <p:cNvPicPr>
-            <a:picLocks noChangeAspect="1"/>
-          </p:cNvPicPr>
-          <p:nvPr/>
-        </p:nvPicPr>
-        <p:blipFill>
-          <a:blip r:embed="rId2">
-            <a:extLst>
-              <a:ext uri="{96DAC541-7B7A-43D3-8B79-37D633B846F1}">
-                <asvg:svgBlip xmlns:asvg="http://schemas.microsoft.com/office/drawing/2016/SVG/main" r:embed="rId3"/>
-              </a:ext>
-            </a:extLst>
-          </a:blip>
-          <a:stretch>
-            <a:fillRect/>
-          </a:stretch>
-        </p:blipFill>
-        <p:spPr>
-          <a:xfrm>
-            <a:off x="1047365" y="766815"/>
-            <a:ext cx="914400" cy="914400"/>
-          </a:xfrm>
-          <a:prstGeom prst="rect">
-            <a:avLst/>
-          </a:prstGeom>
-        </p:spPr>
-      </p:pic>
-      <p:pic>
-        <p:nvPicPr>
-          <p:cNvPr id="16" name="Graphic 14" descr="Server">
-            <a:extLst>
-              <a:ext uri="{FF2B5EF4-FFF2-40B4-BE49-F238E27FC236}">
-                <a16:creationId xmlns:a16="http://schemas.microsoft.com/office/drawing/2014/main" id="{E5622323-2A49-4F37-A438-E7294279C0D6}"/>
-              </a:ext>
-            </a:extLst>
-          </p:cNvPr>
-          <p:cNvPicPr>
-            <a:picLocks noChangeAspect="1"/>
-          </p:cNvPicPr>
-          <p:nvPr/>
-        </p:nvPicPr>
-        <p:blipFill>
-          <a:blip r:embed="rId2">
-            <a:extLst>
-              <a:ext uri="{96DAC541-7B7A-43D3-8B79-37D633B846F1}">
-                <asvg:svgBlip xmlns:asvg="http://schemas.microsoft.com/office/drawing/2016/SVG/main" r:embed="rId3"/>
-              </a:ext>
-            </a:extLst>
-          </a:blip>
-          <a:stretch>
-            <a:fillRect/>
-          </a:stretch>
-        </p:blipFill>
-        <p:spPr>
-          <a:xfrm>
-            <a:off x="2398659" y="762926"/>
-            <a:ext cx="914400" cy="914400"/>
-          </a:xfrm>
-          <a:prstGeom prst="rect">
-            <a:avLst/>
-          </a:prstGeom>
-        </p:spPr>
-      </p:pic>
-      <p:pic>
-        <p:nvPicPr>
-          <p:cNvPr id="17" name="Graphic 17" descr="Fire">
-            <a:extLst>
-              <a:ext uri="{FF2B5EF4-FFF2-40B4-BE49-F238E27FC236}">
-                <a16:creationId xmlns:a16="http://schemas.microsoft.com/office/drawing/2014/main" id="{8A98C7F4-083B-4523-96B8-65D02D66AA58}"/>
-              </a:ext>
-            </a:extLst>
-          </p:cNvPr>
-          <p:cNvPicPr>
-            <a:picLocks noChangeAspect="1"/>
-          </p:cNvPicPr>
-          <p:nvPr/>
-        </p:nvPicPr>
-        <p:blipFill>
-          <a:blip r:embed="rId4">
-            <a:extLst>
-              <a:ext uri="{96DAC541-7B7A-43D3-8B79-37D633B846F1}">
-                <asvg:svgBlip xmlns:asvg="http://schemas.microsoft.com/office/drawing/2016/SVG/main" r:embed="rId5"/>
-              </a:ext>
-            </a:extLst>
-          </a:blip>
-          <a:stretch>
-            <a:fillRect/>
-          </a:stretch>
-        </p:blipFill>
-        <p:spPr>
-          <a:xfrm>
-            <a:off x="7325029" y="1208130"/>
-            <a:ext cx="564777" cy="564777"/>
-          </a:xfrm>
-          <a:prstGeom prst="rect">
-            <a:avLst/>
-          </a:prstGeom>
-        </p:spPr>
-      </p:pic>
-      <p:sp>
-        <p:nvSpPr>
-          <p:cNvPr id="19" name="Cloud 18">
-            <a:extLst>
-              <a:ext uri="{FF2B5EF4-FFF2-40B4-BE49-F238E27FC236}">
-                <a16:creationId xmlns:a16="http://schemas.microsoft.com/office/drawing/2014/main" id="{8622B227-7A2D-423D-9B51-4FC5D36E1D76}"/>
-              </a:ext>
-            </a:extLst>
-          </p:cNvPr>
-          <p:cNvSpPr/>
-          <p:nvPr/>
-        </p:nvSpPr>
-        <p:spPr>
-          <a:xfrm>
-            <a:off x="385483" y="345141"/>
-            <a:ext cx="3777813" cy="2442073"/>
-          </a:xfrm>
-          <a:prstGeom prst="cloud">
-            <a:avLst/>
-          </a:prstGeom>
-          <a:noFill/>
-          <a:ln>
-            <a:solidFill>
-              <a:schemeClr val="tx1"/>
-            </a:solidFill>
-          </a:ln>
-        </p:spPr>
-        <p:style>
-          <a:lnRef idx="2">
-            <a:schemeClr val="accent1">
-              <a:shade val="50000"/>
-            </a:schemeClr>
-          </a:lnRef>
-          <a:fillRef idx="1">
-            <a:schemeClr val="accent1"/>
-          </a:fillRef>
-          <a:effectRef idx="0">
-            <a:schemeClr val="accent1"/>
-          </a:effectRef>
-          <a:fontRef idx="minor">
-            <a:schemeClr val="lt1"/>
-          </a:fontRef>
-        </p:style>
-        <p:txBody>
-          <a:bodyPr rtlCol="0" anchor="ctr"/>
-          <a:lstStyle/>
-          <a:p>
-            <a:pPr algn="ctr"/>
-            <a:endParaRPr lang="en-US"/>
-          </a:p>
-        </p:txBody>
-      </p:sp>
-      <p:sp>
-        <p:nvSpPr>
-          <p:cNvPr id="20" name="TextBox 19">
-            <a:extLst>
-              <a:ext uri="{FF2B5EF4-FFF2-40B4-BE49-F238E27FC236}">
-                <a16:creationId xmlns:a16="http://schemas.microsoft.com/office/drawing/2014/main" id="{7DD27DD7-7D3D-417E-B0CF-9267E250CCE2}"/>
-              </a:ext>
-            </a:extLst>
-          </p:cNvPr>
-          <p:cNvSpPr txBox="1"/>
-          <p:nvPr/>
-        </p:nvSpPr>
-        <p:spPr>
-          <a:xfrm>
-            <a:off x="725581" y="1568263"/>
-            <a:ext cx="1550895" cy="369332"/>
-          </a:xfrm>
-          <a:prstGeom prst="rect">
-            <a:avLst/>
-          </a:prstGeom>
-          <a:noFill/>
-        </p:spPr>
-        <p:txBody>
-          <a:bodyPr rot="0" spcFirstLastPara="0" vertOverflow="overflow" horzOverflow="overflow" vert="horz" wrap="square" lIns="91440" tIns="45720" rIns="91440" bIns="45720" numCol="1" spcCol="0" rtlCol="0" fromWordArt="0" anchor="t" anchorCtr="0" forceAA="0" compatLnSpc="1">
-            <a:prstTxWarp prst="textNoShape">
-              <a:avLst/>
-            </a:prstTxWarp>
-            <a:spAutoFit/>
-          </a:bodyPr>
-          <a:lstStyle/>
-          <a:p>
-            <a:pPr algn="ctr"/>
-            <a:r>
-              <a:rPr lang="en-US" dirty="0"/>
-              <a:t>www1</a:t>
-            </a:r>
-            <a:endParaRPr lang="en-US" dirty="0">
-              <a:cs typeface="Calibri"/>
-            </a:endParaRPr>
-          </a:p>
-        </p:txBody>
-      </p:sp>
-      <p:sp>
-        <p:nvSpPr>
-          <p:cNvPr id="21" name="TextBox 20">
-            <a:extLst>
-              <a:ext uri="{FF2B5EF4-FFF2-40B4-BE49-F238E27FC236}">
-                <a16:creationId xmlns:a16="http://schemas.microsoft.com/office/drawing/2014/main" id="{8AC65279-0DBD-4975-B82D-319536C09E26}"/>
-              </a:ext>
-            </a:extLst>
-          </p:cNvPr>
-          <p:cNvSpPr txBox="1"/>
-          <p:nvPr/>
-        </p:nvSpPr>
-        <p:spPr>
-          <a:xfrm>
-            <a:off x="2079251" y="1568263"/>
-            <a:ext cx="1550895" cy="369332"/>
-          </a:xfrm>
-          <a:prstGeom prst="rect">
-            <a:avLst/>
-          </a:prstGeom>
-          <a:noFill/>
-        </p:spPr>
-        <p:txBody>
-          <a:bodyPr rot="0" spcFirstLastPara="0" vertOverflow="overflow" horzOverflow="overflow" vert="horz" wrap="square" lIns="91440" tIns="45720" rIns="91440" bIns="45720" numCol="1" spcCol="0" rtlCol="0" fromWordArt="0" anchor="t" anchorCtr="0" forceAA="0" compatLnSpc="1">
-            <a:prstTxWarp prst="textNoShape">
-              <a:avLst/>
-            </a:prstTxWarp>
-            <a:spAutoFit/>
-          </a:bodyPr>
-          <a:lstStyle/>
-          <a:p>
-            <a:pPr algn="ctr"/>
-            <a:r>
-              <a:rPr lang="en-US" dirty="0"/>
-              <a:t>www2</a:t>
-            </a:r>
-            <a:endParaRPr lang="en-US" dirty="0">
-              <a:cs typeface="Calibri"/>
-            </a:endParaRPr>
-          </a:p>
-        </p:txBody>
-      </p:sp>
-      <p:pic>
-        <p:nvPicPr>
-          <p:cNvPr id="23" name="Graphic 14" descr="Server">
-            <a:extLst>
-              <a:ext uri="{FF2B5EF4-FFF2-40B4-BE49-F238E27FC236}">
-                <a16:creationId xmlns:a16="http://schemas.microsoft.com/office/drawing/2014/main" id="{91F6E9DA-DD3D-4C61-A8A4-B1DD4B95BA80}"/>
-              </a:ext>
-            </a:extLst>
-          </p:cNvPr>
-          <p:cNvPicPr>
-            <a:picLocks noChangeAspect="1"/>
-          </p:cNvPicPr>
-          <p:nvPr/>
-        </p:nvPicPr>
-        <p:blipFill>
-          <a:blip r:embed="rId2">
-            <a:extLst>
-              <a:ext uri="{96DAC541-7B7A-43D3-8B79-37D633B846F1}">
-                <asvg:svgBlip xmlns:asvg="http://schemas.microsoft.com/office/drawing/2016/SVG/main" r:embed="rId3"/>
-              </a:ext>
-            </a:extLst>
-          </a:blip>
-          <a:stretch>
-            <a:fillRect/>
-          </a:stretch>
-        </p:blipFill>
-        <p:spPr>
-          <a:xfrm>
-            <a:off x="1154941" y="4047897"/>
-            <a:ext cx="914400" cy="914400"/>
-          </a:xfrm>
-          <a:prstGeom prst="rect">
-            <a:avLst/>
-          </a:prstGeom>
-        </p:spPr>
-      </p:pic>
-      <p:pic>
-        <p:nvPicPr>
-          <p:cNvPr id="24" name="Graphic 14" descr="Server">
-            <a:extLst>
-              <a:ext uri="{FF2B5EF4-FFF2-40B4-BE49-F238E27FC236}">
-                <a16:creationId xmlns:a16="http://schemas.microsoft.com/office/drawing/2014/main" id="{F3B846F8-9C72-47B4-A39A-14A61569443A}"/>
-              </a:ext>
-            </a:extLst>
-          </p:cNvPr>
-          <p:cNvPicPr>
-            <a:picLocks noChangeAspect="1"/>
-          </p:cNvPicPr>
-          <p:nvPr/>
-        </p:nvPicPr>
-        <p:blipFill>
-          <a:blip r:embed="rId2">
-            <a:extLst>
-              <a:ext uri="{96DAC541-7B7A-43D3-8B79-37D633B846F1}">
-                <asvg:svgBlip xmlns:asvg="http://schemas.microsoft.com/office/drawing/2016/SVG/main" r:embed="rId3"/>
-              </a:ext>
-            </a:extLst>
-          </a:blip>
-          <a:stretch>
-            <a:fillRect/>
-          </a:stretch>
-        </p:blipFill>
-        <p:spPr>
-          <a:xfrm>
-            <a:off x="2506235" y="4044008"/>
-            <a:ext cx="914400" cy="914400"/>
-          </a:xfrm>
-          <a:prstGeom prst="rect">
-            <a:avLst/>
-          </a:prstGeom>
-        </p:spPr>
-      </p:pic>
-      <p:sp>
-        <p:nvSpPr>
-          <p:cNvPr id="25" name="Cloud 24">
-            <a:extLst>
-              <a:ext uri="{FF2B5EF4-FFF2-40B4-BE49-F238E27FC236}">
-                <a16:creationId xmlns:a16="http://schemas.microsoft.com/office/drawing/2014/main" id="{A947D92F-7425-4990-87EF-32746A88E204}"/>
-              </a:ext>
-            </a:extLst>
-          </p:cNvPr>
-          <p:cNvSpPr/>
-          <p:nvPr/>
-        </p:nvSpPr>
-        <p:spPr>
-          <a:xfrm>
-            <a:off x="493059" y="3626223"/>
-            <a:ext cx="3777813" cy="2442073"/>
-          </a:xfrm>
-          <a:prstGeom prst="cloud">
-            <a:avLst/>
-          </a:prstGeom>
-          <a:noFill/>
-          <a:ln>
-            <a:solidFill>
-              <a:schemeClr val="tx1"/>
-            </a:solidFill>
-          </a:ln>
-        </p:spPr>
-        <p:style>
-          <a:lnRef idx="2">
-            <a:schemeClr val="accent1">
-              <a:shade val="50000"/>
-            </a:schemeClr>
-          </a:lnRef>
-          <a:fillRef idx="1">
-            <a:schemeClr val="accent1"/>
-          </a:fillRef>
-          <a:effectRef idx="0">
-            <a:schemeClr val="accent1"/>
-          </a:effectRef>
-          <a:fontRef idx="minor">
-            <a:schemeClr val="lt1"/>
-          </a:fontRef>
-        </p:style>
-        <p:txBody>
-          <a:bodyPr rtlCol="0" anchor="ctr"/>
-          <a:lstStyle/>
-          <a:p>
-            <a:pPr algn="ctr"/>
-            <a:endParaRPr lang="en-US"/>
-          </a:p>
-        </p:txBody>
-      </p:sp>
-      <p:sp>
-        <p:nvSpPr>
-          <p:cNvPr id="26" name="TextBox 25">
-            <a:extLst>
-              <a:ext uri="{FF2B5EF4-FFF2-40B4-BE49-F238E27FC236}">
-                <a16:creationId xmlns:a16="http://schemas.microsoft.com/office/drawing/2014/main" id="{AC513E37-C20C-43AC-9D6F-BC939CBDF684}"/>
-              </a:ext>
-            </a:extLst>
-          </p:cNvPr>
-          <p:cNvSpPr txBox="1"/>
-          <p:nvPr/>
-        </p:nvSpPr>
-        <p:spPr>
-          <a:xfrm>
-            <a:off x="833157" y="4849345"/>
-            <a:ext cx="1550895" cy="369332"/>
-          </a:xfrm>
-          <a:prstGeom prst="rect">
-            <a:avLst/>
-          </a:prstGeom>
-          <a:noFill/>
-        </p:spPr>
-        <p:txBody>
-          <a:bodyPr rot="0" spcFirstLastPara="0" vertOverflow="overflow" horzOverflow="overflow" vert="horz" wrap="square" lIns="91440" tIns="45720" rIns="91440" bIns="45720" numCol="1" spcCol="0" rtlCol="0" fromWordArt="0" anchor="t" anchorCtr="0" forceAA="0" compatLnSpc="1">
-            <a:prstTxWarp prst="textNoShape">
-              <a:avLst/>
-            </a:prstTxWarp>
-            <a:spAutoFit/>
-          </a:bodyPr>
-          <a:lstStyle/>
-          <a:p>
-            <a:pPr algn="ctr"/>
-            <a:r>
-              <a:rPr lang="en-US" dirty="0"/>
-              <a:t>log</a:t>
-            </a:r>
-            <a:endParaRPr lang="en-US" dirty="0">
-              <a:cs typeface="Calibri"/>
-            </a:endParaRPr>
-          </a:p>
-        </p:txBody>
-      </p:sp>
-      <p:sp>
-        <p:nvSpPr>
-          <p:cNvPr id="27" name="TextBox 26">
-            <a:extLst>
-              <a:ext uri="{FF2B5EF4-FFF2-40B4-BE49-F238E27FC236}">
-                <a16:creationId xmlns:a16="http://schemas.microsoft.com/office/drawing/2014/main" id="{26484621-2EAF-45B2-969F-9D2162F1B652}"/>
-              </a:ext>
-            </a:extLst>
-          </p:cNvPr>
-          <p:cNvSpPr txBox="1"/>
-          <p:nvPr/>
-        </p:nvSpPr>
-        <p:spPr>
-          <a:xfrm>
-            <a:off x="2186827" y="4849345"/>
-            <a:ext cx="1550895" cy="369332"/>
-          </a:xfrm>
-          <a:prstGeom prst="rect">
-            <a:avLst/>
-          </a:prstGeom>
-          <a:noFill/>
-        </p:spPr>
-        <p:txBody>
-          <a:bodyPr rot="0" spcFirstLastPara="0" vertOverflow="overflow" horzOverflow="overflow" vert="horz" wrap="square" lIns="91440" tIns="45720" rIns="91440" bIns="45720" numCol="1" spcCol="0" rtlCol="0" fromWordArt="0" anchor="t" anchorCtr="0" forceAA="0" compatLnSpc="1">
-            <a:prstTxWarp prst="textNoShape">
-              <a:avLst/>
-            </a:prstTxWarp>
-            <a:spAutoFit/>
-          </a:bodyPr>
-          <a:lstStyle/>
-          <a:p>
-            <a:pPr algn="ctr"/>
-            <a:r>
-              <a:rPr lang="en-US" dirty="0"/>
-              <a:t>gerencia</a:t>
-            </a:r>
-            <a:endParaRPr lang="en-US" dirty="0" err="1">
-              <a:cs typeface="Calibri"/>
-            </a:endParaRPr>
-          </a:p>
-        </p:txBody>
-      </p:sp>
-      <p:pic>
-        <p:nvPicPr>
-          <p:cNvPr id="29" name="Graphic 14" descr="Server">
-            <a:extLst>
-              <a:ext uri="{FF2B5EF4-FFF2-40B4-BE49-F238E27FC236}">
-                <a16:creationId xmlns:a16="http://schemas.microsoft.com/office/drawing/2014/main" id="{B8FFF666-7D9C-4D8C-8332-7E6170A0B3E7}"/>
-              </a:ext>
-            </a:extLst>
-          </p:cNvPr>
-          <p:cNvPicPr>
-            <a:picLocks noChangeAspect="1"/>
-          </p:cNvPicPr>
-          <p:nvPr/>
-        </p:nvPicPr>
-        <p:blipFill>
-          <a:blip r:embed="rId2">
-            <a:extLst>
-              <a:ext uri="{96DAC541-7B7A-43D3-8B79-37D633B846F1}">
-                <asvg:svgBlip xmlns:asvg="http://schemas.microsoft.com/office/drawing/2016/SVG/main" r:embed="rId3"/>
-              </a:ext>
-            </a:extLst>
-          </a:blip>
-          <a:stretch>
-            <a:fillRect/>
-          </a:stretch>
-        </p:blipFill>
-        <p:spPr>
-          <a:xfrm>
-            <a:off x="6049670" y="4029968"/>
-            <a:ext cx="914400" cy="914400"/>
-          </a:xfrm>
-          <a:prstGeom prst="rect">
-            <a:avLst/>
-          </a:prstGeom>
-        </p:spPr>
-      </p:pic>
-      <p:pic>
-        <p:nvPicPr>
-          <p:cNvPr id="30" name="Graphic 14" descr="Server">
-            <a:extLst>
-              <a:ext uri="{FF2B5EF4-FFF2-40B4-BE49-F238E27FC236}">
-                <a16:creationId xmlns:a16="http://schemas.microsoft.com/office/drawing/2014/main" id="{3D051612-4DEE-4371-89F8-9B544CB1A552}"/>
-              </a:ext>
-            </a:extLst>
-          </p:cNvPr>
-          <p:cNvPicPr>
-            <a:picLocks noChangeAspect="1"/>
-          </p:cNvPicPr>
-          <p:nvPr/>
-        </p:nvPicPr>
-        <p:blipFill>
-          <a:blip r:embed="rId2">
-            <a:extLst>
-              <a:ext uri="{96DAC541-7B7A-43D3-8B79-37D633B846F1}">
-                <asvg:svgBlip xmlns:asvg="http://schemas.microsoft.com/office/drawing/2016/SVG/main" r:embed="rId3"/>
-              </a:ext>
-            </a:extLst>
-          </a:blip>
-          <a:stretch>
-            <a:fillRect/>
-          </a:stretch>
-        </p:blipFill>
-        <p:spPr>
-          <a:xfrm>
-            <a:off x="7400964" y="4026079"/>
-            <a:ext cx="914400" cy="914400"/>
-          </a:xfrm>
-          <a:prstGeom prst="rect">
-            <a:avLst/>
-          </a:prstGeom>
-        </p:spPr>
-      </p:pic>
-      <p:sp>
-        <p:nvSpPr>
-          <p:cNvPr id="31" name="Cloud 30">
-            <a:extLst>
-              <a:ext uri="{FF2B5EF4-FFF2-40B4-BE49-F238E27FC236}">
-                <a16:creationId xmlns:a16="http://schemas.microsoft.com/office/drawing/2014/main" id="{2EE20406-5D8F-4E29-B419-30AE7BDD8A3A}"/>
-              </a:ext>
-            </a:extLst>
-          </p:cNvPr>
-          <p:cNvSpPr/>
-          <p:nvPr/>
-        </p:nvSpPr>
-        <p:spPr>
-          <a:xfrm>
-            <a:off x="5387788" y="3608294"/>
-            <a:ext cx="3777813" cy="2442073"/>
-          </a:xfrm>
-          <a:prstGeom prst="cloud">
-            <a:avLst/>
-          </a:prstGeom>
-          <a:noFill/>
-          <a:ln>
-            <a:solidFill>
-              <a:schemeClr val="tx1"/>
-            </a:solidFill>
-          </a:ln>
-        </p:spPr>
-        <p:style>
-          <a:lnRef idx="2">
-            <a:schemeClr val="accent1">
-              <a:shade val="50000"/>
-            </a:schemeClr>
-          </a:lnRef>
-          <a:fillRef idx="1">
-            <a:schemeClr val="accent1"/>
-          </a:fillRef>
-          <a:effectRef idx="0">
-            <a:schemeClr val="accent1"/>
-          </a:effectRef>
-          <a:fontRef idx="minor">
-            <a:schemeClr val="lt1"/>
-          </a:fontRef>
-        </p:style>
-        <p:txBody>
-          <a:bodyPr rtlCol="0" anchor="ctr"/>
-          <a:lstStyle/>
-          <a:p>
-            <a:pPr algn="ctr"/>
-            <a:endParaRPr lang="en-US"/>
-          </a:p>
-        </p:txBody>
-      </p:sp>
-      <p:sp>
-        <p:nvSpPr>
-          <p:cNvPr id="32" name="TextBox 31">
-            <a:extLst>
-              <a:ext uri="{FF2B5EF4-FFF2-40B4-BE49-F238E27FC236}">
-                <a16:creationId xmlns:a16="http://schemas.microsoft.com/office/drawing/2014/main" id="{3ACFA7B2-6B59-4F73-89F3-CAD5766493F6}"/>
-              </a:ext>
-            </a:extLst>
-          </p:cNvPr>
-          <p:cNvSpPr txBox="1"/>
-          <p:nvPr/>
-        </p:nvSpPr>
-        <p:spPr>
-          <a:xfrm>
-            <a:off x="5727886" y="4831416"/>
-            <a:ext cx="1550895" cy="369332"/>
-          </a:xfrm>
-          <a:prstGeom prst="rect">
-            <a:avLst/>
-          </a:prstGeom>
-          <a:noFill/>
-        </p:spPr>
-        <p:txBody>
-          <a:bodyPr rot="0" spcFirstLastPara="0" vertOverflow="overflow" horzOverflow="overflow" vert="horz" wrap="square" lIns="91440" tIns="45720" rIns="91440" bIns="45720" numCol="1" spcCol="0" rtlCol="0" fromWordArt="0" anchor="t" anchorCtr="0" forceAA="0" compatLnSpc="1">
-            <a:prstTxWarp prst="textNoShape">
-              <a:avLst/>
-            </a:prstTxWarp>
-            <a:spAutoFit/>
-          </a:bodyPr>
-          <a:lstStyle/>
-          <a:p>
-            <a:pPr algn="ctr"/>
-            <a:r>
-              <a:rPr lang="en-US" dirty="0"/>
-              <a:t>ssh</a:t>
-            </a:r>
-            <a:endParaRPr lang="en-US" dirty="0">
-              <a:cs typeface="Calibri"/>
-            </a:endParaRPr>
-          </a:p>
-        </p:txBody>
-      </p:sp>
-      <p:sp>
-        <p:nvSpPr>
-          <p:cNvPr id="33" name="TextBox 32">
-            <a:extLst>
-              <a:ext uri="{FF2B5EF4-FFF2-40B4-BE49-F238E27FC236}">
-                <a16:creationId xmlns:a16="http://schemas.microsoft.com/office/drawing/2014/main" id="{063225D5-C263-417D-8D39-D51C1D99CEFF}"/>
-              </a:ext>
-            </a:extLst>
-          </p:cNvPr>
-          <p:cNvSpPr txBox="1"/>
-          <p:nvPr/>
-        </p:nvSpPr>
-        <p:spPr>
-          <a:xfrm>
-            <a:off x="7081556" y="4831416"/>
-            <a:ext cx="1550895" cy="369332"/>
-          </a:xfrm>
-          <a:prstGeom prst="rect">
-            <a:avLst/>
-          </a:prstGeom>
-          <a:noFill/>
-        </p:spPr>
-        <p:txBody>
-          <a:bodyPr rot="0" spcFirstLastPara="0" vertOverflow="overflow" horzOverflow="overflow" vert="horz" wrap="square" lIns="91440" tIns="45720" rIns="91440" bIns="45720" numCol="1" spcCol="0" rtlCol="0" fromWordArt="0" anchor="t" anchorCtr="0" forceAA="0" compatLnSpc="1">
-            <a:prstTxWarp prst="textNoShape">
-              <a:avLst/>
-            </a:prstTxWarp>
-            <a:spAutoFit/>
-          </a:bodyPr>
-          <a:lstStyle/>
-          <a:p>
-            <a:pPr algn="ctr"/>
-            <a:r>
-              <a:rPr lang="en-US" dirty="0"/>
-              <a:t>proxy</a:t>
-            </a:r>
-            <a:endParaRPr lang="en-US" dirty="0" err="1">
-              <a:cs typeface="Calibri"/>
-            </a:endParaRPr>
-          </a:p>
-        </p:txBody>
-      </p:sp>
-      <p:sp>
-        <p:nvSpPr>
-          <p:cNvPr id="36" name="TextBox 35">
-            <a:extLst>
-              <a:ext uri="{FF2B5EF4-FFF2-40B4-BE49-F238E27FC236}">
-                <a16:creationId xmlns:a16="http://schemas.microsoft.com/office/drawing/2014/main" id="{87DE2598-163D-4EF1-8E09-69F17A781CDB}"/>
-              </a:ext>
-            </a:extLst>
-          </p:cNvPr>
-          <p:cNvSpPr txBox="1"/>
-          <p:nvPr/>
-        </p:nvSpPr>
-        <p:spPr>
-          <a:xfrm>
-            <a:off x="6427133" y="1765486"/>
-            <a:ext cx="1550895" cy="646331"/>
-          </a:xfrm>
-          <a:prstGeom prst="rect">
-            <a:avLst/>
-          </a:prstGeom>
-          <a:noFill/>
-        </p:spPr>
-        <p:txBody>
-          <a:bodyPr rot="0" spcFirstLastPara="0" vertOverflow="overflow" horzOverflow="overflow" vert="horz" wrap="square" lIns="91440" tIns="45720" rIns="91440" bIns="45720" numCol="1" spcCol="0" rtlCol="0" fromWordArt="0" anchor="t" anchorCtr="0" forceAA="0" compatLnSpc="1">
-            <a:prstTxWarp prst="textNoShape">
-              <a:avLst/>
-            </a:prstTxWarp>
-            <a:spAutoFit/>
-          </a:bodyPr>
-          <a:lstStyle/>
-          <a:p>
-            <a:pPr algn="ctr"/>
-            <a:r>
-              <a:rPr lang="en-US" dirty="0"/>
-              <a:t>firewall</a:t>
-            </a:r>
-            <a:endParaRPr lang="en-US" dirty="0">
-              <a:cs typeface="Calibri"/>
-            </a:endParaRPr>
-          </a:p>
-          <a:p>
-            <a:pPr algn="ctr"/>
-            <a:endParaRPr lang="en-US" dirty="0">
-              <a:cs typeface="Calibri"/>
-            </a:endParaRPr>
-          </a:p>
-        </p:txBody>
-      </p:sp>
-      <p:cxnSp>
-        <p:nvCxnSpPr>
-          <p:cNvPr id="37" name="Straight Arrow Connector 36">
-            <a:extLst>
-              <a:ext uri="{FF2B5EF4-FFF2-40B4-BE49-F238E27FC236}">
-                <a16:creationId xmlns:a16="http://schemas.microsoft.com/office/drawing/2014/main" id="{D3DE028A-0083-4F5D-B221-B6542B5F6FC9}"/>
-              </a:ext>
-            </a:extLst>
-          </p:cNvPr>
-          <p:cNvCxnSpPr/>
-          <p:nvPr/>
-        </p:nvCxnSpPr>
-        <p:spPr>
-          <a:xfrm>
-            <a:off x="4193801" y="1508872"/>
-            <a:ext cx="2545977" cy="17930"/>
-          </a:xfrm>
-          <a:prstGeom prst="straightConnector1">
-            <a:avLst/>
-          </a:prstGeom>
-        </p:spPr>
-        <p:style>
-          <a:lnRef idx="2">
-            <a:schemeClr val="dk1"/>
-          </a:lnRef>
-          <a:fillRef idx="0">
-            <a:schemeClr val="dk1"/>
-          </a:fillRef>
-          <a:effectRef idx="1">
-            <a:schemeClr val="dk1"/>
-          </a:effectRef>
-          <a:fontRef idx="minor">
-            <a:schemeClr val="tx1"/>
-          </a:fontRef>
-        </p:style>
-      </p:cxnSp>
-      <p:cxnSp>
-        <p:nvCxnSpPr>
-          <p:cNvPr id="38" name="Straight Arrow Connector 37">
-            <a:extLst>
-              <a:ext uri="{FF2B5EF4-FFF2-40B4-BE49-F238E27FC236}">
-                <a16:creationId xmlns:a16="http://schemas.microsoft.com/office/drawing/2014/main" id="{9A9BE83B-BEC8-4694-B066-C4266BB9D2A6}"/>
-              </a:ext>
-            </a:extLst>
-          </p:cNvPr>
-          <p:cNvCxnSpPr/>
-          <p:nvPr/>
-        </p:nvCxnSpPr>
-        <p:spPr>
-          <a:xfrm>
-            <a:off x="7250205" y="2117912"/>
-            <a:ext cx="26895" cy="1595717"/>
-          </a:xfrm>
-          <a:prstGeom prst="straightConnector1">
-            <a:avLst/>
-          </a:prstGeom>
-        </p:spPr>
-        <p:style>
-          <a:lnRef idx="2">
-            <a:schemeClr val="dk1"/>
-          </a:lnRef>
-          <a:fillRef idx="0">
-            <a:schemeClr val="dk1"/>
-          </a:fillRef>
-          <a:effectRef idx="1">
-            <a:schemeClr val="dk1"/>
-          </a:effectRef>
-          <a:fontRef idx="minor">
-            <a:schemeClr val="tx1"/>
-          </a:fontRef>
-        </p:style>
-      </p:cxnSp>
-      <p:cxnSp>
-        <p:nvCxnSpPr>
-          <p:cNvPr id="39" name="Straight Arrow Connector 38">
-            <a:extLst>
-              <a:ext uri="{FF2B5EF4-FFF2-40B4-BE49-F238E27FC236}">
-                <a16:creationId xmlns:a16="http://schemas.microsoft.com/office/drawing/2014/main" id="{50609E53-4E3C-4CDB-9524-DAD302DB8658}"/>
-              </a:ext>
-            </a:extLst>
-          </p:cNvPr>
-          <p:cNvCxnSpPr/>
-          <p:nvPr/>
-        </p:nvCxnSpPr>
-        <p:spPr>
-          <a:xfrm flipH="1">
-            <a:off x="3681694" y="2000809"/>
-            <a:ext cx="3003176" cy="1712260"/>
-          </a:xfrm>
-          <a:prstGeom prst="straightConnector1">
-            <a:avLst/>
-          </a:prstGeom>
-        </p:spPr>
-        <p:style>
-          <a:lnRef idx="2">
-            <a:schemeClr val="dk1"/>
-          </a:lnRef>
-          <a:fillRef idx="0">
-            <a:schemeClr val="dk1"/>
-          </a:fillRef>
-          <a:effectRef idx="1">
-            <a:schemeClr val="dk1"/>
-          </a:effectRef>
-          <a:fontRef idx="minor">
-            <a:schemeClr val="tx1"/>
-          </a:fontRef>
-        </p:style>
-      </p:cxnSp>
-      <p:sp>
-        <p:nvSpPr>
-          <p:cNvPr id="40" name="TextBox 39">
-            <a:extLst>
-              <a:ext uri="{FF2B5EF4-FFF2-40B4-BE49-F238E27FC236}">
-                <a16:creationId xmlns:a16="http://schemas.microsoft.com/office/drawing/2014/main" id="{F6BBA27F-3C84-4175-A8AF-F009768F5918}"/>
-              </a:ext>
-            </a:extLst>
-          </p:cNvPr>
-          <p:cNvSpPr txBox="1"/>
-          <p:nvPr/>
-        </p:nvSpPr>
-        <p:spPr>
-          <a:xfrm>
-            <a:off x="5270125" y="1209115"/>
-            <a:ext cx="1470212" cy="369332"/>
-          </a:xfrm>
-          <a:prstGeom prst="rect">
-            <a:avLst/>
-          </a:prstGeom>
-          <a:noFill/>
-        </p:spPr>
-        <p:txBody>
-          <a:bodyPr rot="0" spcFirstLastPara="0" vertOverflow="overflow" horzOverflow="overflow" vert="horz" wrap="square" lIns="91440" tIns="45720" rIns="91440" bIns="45720" numCol="1" spcCol="0" rtlCol="0" fromWordArt="0" anchor="t" anchorCtr="0" forceAA="0" compatLnSpc="1">
-            <a:prstTxWarp prst="textNoShape">
-              <a:avLst/>
-            </a:prstTxWarp>
-            <a:spAutoFit/>
-          </a:bodyPr>
-          <a:lstStyle/>
-          <a:p>
-            <a:pPr algn="l"/>
-            <a:r>
-              <a:rPr lang="en-US" dirty="0">
-                <a:cs typeface="Calibri"/>
-              </a:rPr>
-              <a:t>WEB</a:t>
-            </a:r>
-            <a:endParaRPr lang="en-US" dirty="0"/>
-          </a:p>
-        </p:txBody>
-      </p:sp>
-      <p:sp>
-        <p:nvSpPr>
-          <p:cNvPr id="41" name="TextBox 40">
-            <a:extLst>
-              <a:ext uri="{FF2B5EF4-FFF2-40B4-BE49-F238E27FC236}">
-                <a16:creationId xmlns:a16="http://schemas.microsoft.com/office/drawing/2014/main" id="{B35574EB-79FB-4FFF-B119-1E093310FB9B}"/>
-              </a:ext>
-            </a:extLst>
-          </p:cNvPr>
-          <p:cNvSpPr txBox="1"/>
-          <p:nvPr/>
-        </p:nvSpPr>
-        <p:spPr>
-          <a:xfrm rot="19860000">
-            <a:off x="5350807" y="1953185"/>
-            <a:ext cx="1470212" cy="369332"/>
-          </a:xfrm>
-          <a:prstGeom prst="rect">
-            <a:avLst/>
-          </a:prstGeom>
-          <a:noFill/>
-        </p:spPr>
-        <p:txBody>
-          <a:bodyPr rot="0" spcFirstLastPara="0" vertOverflow="overflow" horzOverflow="overflow" vert="horz" wrap="square" lIns="91440" tIns="45720" rIns="91440" bIns="45720" numCol="1" spcCol="0" rtlCol="0" fromWordArt="0" anchor="t" anchorCtr="0" forceAA="0" compatLnSpc="1">
-            <a:prstTxWarp prst="textNoShape">
-              <a:avLst/>
-            </a:prstTxWarp>
-            <a:spAutoFit/>
-          </a:bodyPr>
-          <a:lstStyle/>
-          <a:p>
-            <a:pPr algn="l"/>
-            <a:r>
-              <a:rPr lang="en-US" dirty="0">
-                <a:cs typeface="Calibri"/>
-              </a:rPr>
-              <a:t>SERVERS</a:t>
-            </a:r>
-          </a:p>
-        </p:txBody>
-      </p:sp>
-      <p:sp>
-        <p:nvSpPr>
-          <p:cNvPr id="43" name="TextBox 42">
-            <a:extLst>
-              <a:ext uri="{FF2B5EF4-FFF2-40B4-BE49-F238E27FC236}">
-                <a16:creationId xmlns:a16="http://schemas.microsoft.com/office/drawing/2014/main" id="{98C5A229-6784-4366-A31B-2C4CCD807616}"/>
-              </a:ext>
-            </a:extLst>
-          </p:cNvPr>
-          <p:cNvSpPr txBox="1"/>
-          <p:nvPr/>
-        </p:nvSpPr>
-        <p:spPr>
-          <a:xfrm>
-            <a:off x="7206501" y="2231091"/>
-            <a:ext cx="1470212" cy="369332"/>
-          </a:xfrm>
-          <a:prstGeom prst="rect">
-            <a:avLst/>
-          </a:prstGeom>
-          <a:noFill/>
-        </p:spPr>
-        <p:txBody>
-          <a:bodyPr rot="0" spcFirstLastPara="0" vertOverflow="overflow" horzOverflow="overflow" vert="horz" wrap="square" lIns="91440" tIns="45720" rIns="91440" bIns="45720" numCol="1" spcCol="0" rtlCol="0" fromWordArt="0" anchor="t" anchorCtr="0" forceAA="0" compatLnSpc="1">
-            <a:prstTxWarp prst="textNoShape">
-              <a:avLst/>
-            </a:prstTxWarp>
-            <a:spAutoFit/>
-          </a:bodyPr>
-          <a:lstStyle/>
-          <a:p>
-            <a:pPr algn="l"/>
-            <a:r>
-              <a:rPr lang="en-US" dirty="0">
-                <a:cs typeface="Calibri"/>
-              </a:rPr>
-              <a:t>DMZ</a:t>
-            </a:r>
-          </a:p>
-        </p:txBody>
-      </p:sp>
-      <p:pic>
-        <p:nvPicPr>
-          <p:cNvPr id="44" name="Picture 2" descr="A picture containing drawing&#10;&#10;Description generated with very high confidence">
-            <a:extLst>
-              <a:ext uri="{FF2B5EF4-FFF2-40B4-BE49-F238E27FC236}">
-                <a16:creationId xmlns:a16="http://schemas.microsoft.com/office/drawing/2014/main" id="{828CEDCA-E543-42D3-A53C-4B5906DA0FF1}"/>
-              </a:ext>
-            </a:extLst>
-          </p:cNvPr>
-          <p:cNvPicPr>
-            <a:picLocks noChangeAspect="1"/>
-          </p:cNvPicPr>
-          <p:nvPr/>
-        </p:nvPicPr>
-        <p:blipFill>
-          <a:blip r:embed="rId6"/>
-          <a:stretch>
-            <a:fillRect/>
-          </a:stretch>
-        </p:blipFill>
-        <p:spPr>
-          <a:xfrm>
-            <a:off x="2450726" y="5198687"/>
-            <a:ext cx="1122830" cy="315446"/>
-          </a:xfrm>
-          <a:prstGeom prst="rect">
-            <a:avLst/>
-          </a:prstGeom>
-        </p:spPr>
-      </p:pic>
-      <p:pic>
-        <p:nvPicPr>
-          <p:cNvPr id="4" name="Picture 4" descr="A close up of a sign&#10;&#10;Description generated with very high confidence">
-            <a:extLst>
-              <a:ext uri="{FF2B5EF4-FFF2-40B4-BE49-F238E27FC236}">
-                <a16:creationId xmlns:a16="http://schemas.microsoft.com/office/drawing/2014/main" id="{4A66BDE0-FCD6-44AF-B39C-EADABD86AAFE}"/>
-              </a:ext>
-            </a:extLst>
-          </p:cNvPr>
-          <p:cNvPicPr>
-            <a:picLocks noChangeAspect="1"/>
-          </p:cNvPicPr>
-          <p:nvPr/>
-        </p:nvPicPr>
-        <p:blipFill>
-          <a:blip r:embed="rId7"/>
-          <a:stretch>
-            <a:fillRect/>
-          </a:stretch>
-        </p:blipFill>
-        <p:spPr>
-          <a:xfrm>
-            <a:off x="1371600" y="1885109"/>
-            <a:ext cx="1586754" cy="523876"/>
-          </a:xfrm>
-          <a:prstGeom prst="rect">
-            <a:avLst/>
-          </a:prstGeom>
-        </p:spPr>
-      </p:pic>
-      <p:pic>
-        <p:nvPicPr>
-          <p:cNvPr id="6" name="Picture 6" descr="A picture containing drawing, plate&#10;&#10;Description generated with very high confidence">
-            <a:extLst>
-              <a:ext uri="{FF2B5EF4-FFF2-40B4-BE49-F238E27FC236}">
-                <a16:creationId xmlns:a16="http://schemas.microsoft.com/office/drawing/2014/main" id="{09CFD79D-0333-40A6-829C-9FEE188CA9C3}"/>
-              </a:ext>
-            </a:extLst>
-          </p:cNvPr>
-          <p:cNvPicPr>
-            <a:picLocks noChangeAspect="1"/>
-          </p:cNvPicPr>
-          <p:nvPr/>
-        </p:nvPicPr>
-        <p:blipFill>
-          <a:blip r:embed="rId8"/>
-          <a:stretch>
-            <a:fillRect/>
-          </a:stretch>
-        </p:blipFill>
-        <p:spPr>
-          <a:xfrm>
-            <a:off x="1156448" y="5430372"/>
-            <a:ext cx="1004048" cy="398931"/>
-          </a:xfrm>
-          <a:prstGeom prst="rect">
-            <a:avLst/>
-          </a:prstGeom>
-        </p:spPr>
-      </p:pic>
-      <p:pic>
-        <p:nvPicPr>
-          <p:cNvPr id="8" name="Picture 8" descr="A picture containing table&#10;&#10;Description generated with very high confidence">
-            <a:extLst>
-              <a:ext uri="{FF2B5EF4-FFF2-40B4-BE49-F238E27FC236}">
-                <a16:creationId xmlns:a16="http://schemas.microsoft.com/office/drawing/2014/main" id="{CD9CA3C1-80FA-4316-BA6F-DF7F0880A880}"/>
-              </a:ext>
-            </a:extLst>
-          </p:cNvPr>
-          <p:cNvPicPr>
-            <a:picLocks noChangeAspect="1"/>
-          </p:cNvPicPr>
-          <p:nvPr/>
-        </p:nvPicPr>
-        <p:blipFill rotWithShape="1">
-          <a:blip r:embed="rId9"/>
-          <a:srcRect l="19721" t="28652" r="20070" b="28090"/>
-          <a:stretch/>
-        </p:blipFill>
-        <p:spPr>
-          <a:xfrm>
-            <a:off x="870697" y="5183840"/>
-            <a:ext cx="1519089" cy="351566"/>
-          </a:xfrm>
-          <a:prstGeom prst="rect">
-            <a:avLst/>
-          </a:prstGeom>
-        </p:spPr>
-      </p:pic>
-      <p:pic>
-        <p:nvPicPr>
-          <p:cNvPr id="45" name="Picture 4" descr="A close up of a sign&#10;&#10;Description generated with very high confidence">
-            <a:extLst>
-              <a:ext uri="{FF2B5EF4-FFF2-40B4-BE49-F238E27FC236}">
-                <a16:creationId xmlns:a16="http://schemas.microsoft.com/office/drawing/2014/main" id="{E2B52545-0A2A-4382-B20B-820B7B377610}"/>
-              </a:ext>
-            </a:extLst>
-          </p:cNvPr>
-          <p:cNvPicPr>
-            <a:picLocks noChangeAspect="1"/>
-          </p:cNvPicPr>
-          <p:nvPr/>
-        </p:nvPicPr>
-        <p:blipFill>
-          <a:blip r:embed="rId7"/>
-          <a:stretch>
-            <a:fillRect/>
-          </a:stretch>
-        </p:blipFill>
-        <p:spPr>
-          <a:xfrm>
-            <a:off x="7207623" y="5103437"/>
-            <a:ext cx="1371601" cy="425265"/>
-          </a:xfrm>
-          <a:prstGeom prst="rect">
-            <a:avLst/>
-          </a:prstGeom>
-        </p:spPr>
-      </p:pic>
-      <p:sp>
-        <p:nvSpPr>
-          <p:cNvPr id="12" name="Cloud 11">
-            <a:extLst>
-              <a:ext uri="{FF2B5EF4-FFF2-40B4-BE49-F238E27FC236}">
-                <a16:creationId xmlns:a16="http://schemas.microsoft.com/office/drawing/2014/main" id="{852DF524-95E4-4AC5-9ECC-A8B35C6A4F6A}"/>
-              </a:ext>
-            </a:extLst>
-          </p:cNvPr>
-          <p:cNvSpPr/>
-          <p:nvPr/>
-        </p:nvSpPr>
-        <p:spPr>
-          <a:xfrm>
-            <a:off x="9027458" y="1089211"/>
-            <a:ext cx="1581461" cy="774638"/>
-          </a:xfrm>
-          <a:prstGeom prst="cloud">
-            <a:avLst/>
-          </a:prstGeom>
-          <a:noFill/>
-          <a:ln>
-            <a:solidFill>
-              <a:schemeClr val="tx1"/>
-            </a:solidFill>
-          </a:ln>
-        </p:spPr>
-        <p:style>
-          <a:lnRef idx="2">
-            <a:schemeClr val="accent1">
-              <a:shade val="50000"/>
-            </a:schemeClr>
-          </a:lnRef>
-          <a:fillRef idx="1">
-            <a:schemeClr val="accent1"/>
-          </a:fillRef>
-          <a:effectRef idx="0">
-            <a:schemeClr val="accent1"/>
-          </a:effectRef>
-          <a:fontRef idx="minor">
-            <a:schemeClr val="lt1"/>
-          </a:fontRef>
-        </p:style>
-        <p:txBody>
-          <a:bodyPr rtlCol="0" anchor="ctr"/>
-          <a:lstStyle/>
-          <a:p>
-            <a:pPr algn="ctr"/>
-            <a:endParaRPr lang="en-US"/>
-          </a:p>
-        </p:txBody>
-      </p:sp>
-      <p:sp>
-        <p:nvSpPr>
-          <p:cNvPr id="13" name="TextBox 12">
-            <a:extLst>
-              <a:ext uri="{FF2B5EF4-FFF2-40B4-BE49-F238E27FC236}">
-                <a16:creationId xmlns:a16="http://schemas.microsoft.com/office/drawing/2014/main" id="{D5BAE190-2CD2-4C2B-83BF-75D05C5A716C}"/>
-              </a:ext>
-            </a:extLst>
-          </p:cNvPr>
-          <p:cNvSpPr txBox="1"/>
-          <p:nvPr/>
-        </p:nvSpPr>
-        <p:spPr>
-          <a:xfrm>
-            <a:off x="9349065" y="1253939"/>
-            <a:ext cx="1084729" cy="369332"/>
-          </a:xfrm>
-          <a:prstGeom prst="rect">
-            <a:avLst/>
-          </a:prstGeom>
-          <a:noFill/>
-        </p:spPr>
-        <p:txBody>
-          <a:bodyPr rot="0" spcFirstLastPara="0" vertOverflow="overflow" horzOverflow="overflow" vert="horz" wrap="square" lIns="91440" tIns="45720" rIns="91440" bIns="45720" numCol="1" spcCol="0" rtlCol="0" fromWordArt="0" anchor="t" anchorCtr="0" forceAA="0" compatLnSpc="1">
-            <a:prstTxWarp prst="textNoShape">
-              <a:avLst/>
-            </a:prstTxWarp>
-            <a:spAutoFit/>
-          </a:bodyPr>
-          <a:lstStyle/>
-          <a:p>
-            <a:pPr algn="l"/>
-            <a:r>
-              <a:rPr lang="en-US" dirty="0"/>
-              <a:t>Internet</a:t>
-            </a:r>
-          </a:p>
-        </p:txBody>
-      </p:sp>
-      <p:cxnSp>
-        <p:nvCxnSpPr>
-          <p:cNvPr id="15" name="Straight Arrow Connector 14">
-            <a:extLst>
-              <a:ext uri="{FF2B5EF4-FFF2-40B4-BE49-F238E27FC236}">
-                <a16:creationId xmlns:a16="http://schemas.microsoft.com/office/drawing/2014/main" id="{CF108345-9F9F-403C-A436-7A1F44DDF4D1}"/>
-              </a:ext>
-            </a:extLst>
-          </p:cNvPr>
-          <p:cNvCxnSpPr>
-            <a:cxnSpLocks/>
-          </p:cNvCxnSpPr>
-          <p:nvPr/>
-        </p:nvCxnSpPr>
-        <p:spPr>
-          <a:xfrm flipV="1">
-            <a:off x="7860365" y="1508873"/>
-            <a:ext cx="1192307" cy="17928"/>
-          </a:xfrm>
-          <a:prstGeom prst="straightConnector1">
-            <a:avLst/>
-          </a:prstGeom>
-        </p:spPr>
-        <p:style>
-          <a:lnRef idx="2">
-            <a:schemeClr val="dk1"/>
-          </a:lnRef>
-          <a:fillRef idx="0">
-            <a:schemeClr val="dk1"/>
-          </a:fillRef>
-          <a:effectRef idx="1">
-            <a:schemeClr val="dk1"/>
-          </a:effectRef>
-          <a:fontRef idx="minor">
-            <a:schemeClr val="tx1"/>
-          </a:fontRef>
-        </p:style>
-      </p:cxnSp>
-      <p:pic>
-        <p:nvPicPr>
-          <p:cNvPr id="18" name="Picture 51" descr="A picture containing drawing&#10;&#10;Description generated with very high confidence">
-            <a:extLst>
-              <a:ext uri="{FF2B5EF4-FFF2-40B4-BE49-F238E27FC236}">
-                <a16:creationId xmlns:a16="http://schemas.microsoft.com/office/drawing/2014/main" id="{0E21CF21-E25B-4C05-8E57-BA9D13CF1E04}"/>
-              </a:ext>
-            </a:extLst>
-          </p:cNvPr>
-          <p:cNvPicPr>
-            <a:picLocks noChangeAspect="1"/>
-          </p:cNvPicPr>
-          <p:nvPr/>
-        </p:nvPicPr>
-        <p:blipFill rotWithShape="1">
-          <a:blip r:embed="rId10"/>
-          <a:srcRect l="14883" t="26515" r="13009" b="25000"/>
-          <a:stretch/>
-        </p:blipFill>
-        <p:spPr>
-          <a:xfrm>
-            <a:off x="5903859" y="5126691"/>
-            <a:ext cx="1151372" cy="386579"/>
-          </a:xfrm>
-          <a:prstGeom prst="rect">
-            <a:avLst/>
-          </a:prstGeom>
-        </p:spPr>
-      </p:pic>
-    </p:spTree>
-    <p:extLst>
-      <p:ext uri="{BB962C8B-B14F-4D97-AF65-F5344CB8AC3E}">
-        <p14:creationId xmlns:p14="http://schemas.microsoft.com/office/powerpoint/2010/main" val="3105459509"/>
       </p:ext>
     </p:extLst>
   </p:cSld>
